--- a/docs/TIWProjectSpangaroFerlin.pptx
+++ b/docs/TIWProjectSpangaroFerlin.pptx
@@ -13827,7 +13827,7 @@
         <p:spPr>
           <a:xfrm>
             <a:off x="7501180" y="1282615"/>
-            <a:ext cx="2929179" cy="1938992"/>
+            <a:ext cx="3257611" cy="3170099"/>
           </a:xfrm>
           <a:prstGeom prst="rect">
             <a:avLst/>
@@ -14047,6 +14047,231 @@
               </a:rPr>
               <a:t>OffersController</a:t>
             </a:r>
+            <a:endParaRPr lang="it-IT" sz="1400" dirty="0">
+              <a:solidFill>
+                <a:schemeClr val="tx1">
+                  <a:lumMod val="75000"/>
+                  <a:lumOff val="25000"/>
+                </a:schemeClr>
+              </a:solidFill>
+              <a:latin typeface="Times New Roman" panose="02020603050405020304" pitchFamily="18" charset="0"/>
+              <a:cs typeface="Times New Roman" panose="02020603050405020304" pitchFamily="18" charset="0"/>
+            </a:endParaRPr>
+          </a:p>
+          <a:p>
+            <a:pPr marL="285750" indent="-285750">
+              <a:buClr>
+                <a:schemeClr val="accent1">
+                  <a:lumMod val="75000"/>
+                </a:schemeClr>
+              </a:buClr>
+              <a:buFont typeface="Arial" panose="020B0604020202020204" pitchFamily="34" charset="0"/>
+              <a:buChar char="•"/>
+            </a:pPr>
+            <a:endParaRPr lang="it-IT" sz="1400" dirty="0">
+              <a:solidFill>
+                <a:schemeClr val="tx1">
+                  <a:lumMod val="75000"/>
+                  <a:lumOff val="25000"/>
+                </a:schemeClr>
+              </a:solidFill>
+              <a:latin typeface="Times New Roman" panose="02020603050405020304" pitchFamily="18" charset="0"/>
+              <a:cs typeface="Times New Roman" panose="02020603050405020304" pitchFamily="18" charset="0"/>
+            </a:endParaRPr>
+          </a:p>
+          <a:p>
+            <a:pPr marL="285750" indent="-285750">
+              <a:buClr>
+                <a:schemeClr val="accent1">
+                  <a:lumMod val="75000"/>
+                </a:schemeClr>
+              </a:buClr>
+              <a:buFont typeface="Arial" panose="020B0604020202020204" pitchFamily="34" charset="0"/>
+              <a:buChar char="•"/>
+            </a:pPr>
+            <a:r>
+              <a:rPr lang="it-IT" sz="1400" dirty="0" err="1">
+                <a:solidFill>
+                  <a:schemeClr val="tx1">
+                    <a:lumMod val="75000"/>
+                    <a:lumOff val="25000"/>
+                  </a:schemeClr>
+                </a:solidFill>
+                <a:latin typeface="Times New Roman" panose="02020603050405020304" pitchFamily="18" charset="0"/>
+                <a:cs typeface="Times New Roman" panose="02020603050405020304" pitchFamily="18" charset="0"/>
+              </a:rPr>
+              <a:t>AuctionDetailsPage</a:t>
+            </a:r>
+            <a:endParaRPr lang="it-IT" sz="1400" dirty="0">
+              <a:solidFill>
+                <a:schemeClr val="tx1">
+                  <a:lumMod val="75000"/>
+                  <a:lumOff val="25000"/>
+                </a:schemeClr>
+              </a:solidFill>
+              <a:latin typeface="Times New Roman" panose="02020603050405020304" pitchFamily="18" charset="0"/>
+              <a:cs typeface="Times New Roman" panose="02020603050405020304" pitchFamily="18" charset="0"/>
+            </a:endParaRPr>
+          </a:p>
+          <a:p>
+            <a:pPr marL="285750" indent="-285750">
+              <a:buClr>
+                <a:schemeClr val="accent1">
+                  <a:lumMod val="75000"/>
+                </a:schemeClr>
+              </a:buClr>
+              <a:buFont typeface="Arial" panose="020B0604020202020204" pitchFamily="34" charset="0"/>
+              <a:buChar char="•"/>
+            </a:pPr>
+            <a:r>
+              <a:rPr lang="it-IT" sz="1400" dirty="0" err="1">
+                <a:solidFill>
+                  <a:schemeClr val="tx1">
+                    <a:lumMod val="75000"/>
+                    <a:lumOff val="25000"/>
+                  </a:schemeClr>
+                </a:solidFill>
+                <a:latin typeface="Times New Roman" panose="02020603050405020304" pitchFamily="18" charset="0"/>
+                <a:cs typeface="Times New Roman" panose="02020603050405020304" pitchFamily="18" charset="0"/>
+              </a:rPr>
+              <a:t>BuyPage</a:t>
+            </a:r>
+            <a:endParaRPr lang="it-IT" sz="1400" dirty="0">
+              <a:solidFill>
+                <a:schemeClr val="tx1">
+                  <a:lumMod val="75000"/>
+                  <a:lumOff val="25000"/>
+                </a:schemeClr>
+              </a:solidFill>
+              <a:latin typeface="Times New Roman" panose="02020603050405020304" pitchFamily="18" charset="0"/>
+              <a:cs typeface="Times New Roman" panose="02020603050405020304" pitchFamily="18" charset="0"/>
+            </a:endParaRPr>
+          </a:p>
+          <a:p>
+            <a:pPr marL="285750" indent="-285750">
+              <a:buClr>
+                <a:schemeClr val="accent1">
+                  <a:lumMod val="75000"/>
+                </a:schemeClr>
+              </a:buClr>
+              <a:buFont typeface="Arial" panose="020B0604020202020204" pitchFamily="34" charset="0"/>
+              <a:buChar char="•"/>
+            </a:pPr>
+            <a:r>
+              <a:rPr lang="it-IT" sz="1400" dirty="0" err="1">
+                <a:solidFill>
+                  <a:schemeClr val="tx1">
+                    <a:lumMod val="75000"/>
+                    <a:lumOff val="25000"/>
+                  </a:schemeClr>
+                </a:solidFill>
+                <a:latin typeface="Times New Roman" panose="02020603050405020304" pitchFamily="18" charset="0"/>
+                <a:cs typeface="Times New Roman" panose="02020603050405020304" pitchFamily="18" charset="0"/>
+              </a:rPr>
+              <a:t>HomePage</a:t>
+            </a:r>
+            <a:endParaRPr lang="it-IT" sz="1400" dirty="0">
+              <a:solidFill>
+                <a:schemeClr val="tx1">
+                  <a:lumMod val="75000"/>
+                  <a:lumOff val="25000"/>
+                </a:schemeClr>
+              </a:solidFill>
+              <a:latin typeface="Times New Roman" panose="02020603050405020304" pitchFamily="18" charset="0"/>
+              <a:cs typeface="Times New Roman" panose="02020603050405020304" pitchFamily="18" charset="0"/>
+            </a:endParaRPr>
+          </a:p>
+          <a:p>
+            <a:pPr marL="285750" indent="-285750">
+              <a:buClr>
+                <a:schemeClr val="accent1">
+                  <a:lumMod val="75000"/>
+                </a:schemeClr>
+              </a:buClr>
+              <a:buFont typeface="Arial" panose="020B0604020202020204" pitchFamily="34" charset="0"/>
+              <a:buChar char="•"/>
+            </a:pPr>
+            <a:r>
+              <a:rPr lang="it-IT" sz="1400" dirty="0" err="1">
+                <a:solidFill>
+                  <a:schemeClr val="tx1">
+                    <a:lumMod val="75000"/>
+                    <a:lumOff val="25000"/>
+                  </a:schemeClr>
+                </a:solidFill>
+                <a:latin typeface="Times New Roman" panose="02020603050405020304" pitchFamily="18" charset="0"/>
+                <a:cs typeface="Times New Roman" panose="02020603050405020304" pitchFamily="18" charset="0"/>
+              </a:rPr>
+              <a:t>LoginPage</a:t>
+            </a:r>
+            <a:endParaRPr lang="it-IT" sz="1400" dirty="0">
+              <a:solidFill>
+                <a:schemeClr val="tx1">
+                  <a:lumMod val="75000"/>
+                  <a:lumOff val="25000"/>
+                </a:schemeClr>
+              </a:solidFill>
+              <a:latin typeface="Times New Roman" panose="02020603050405020304" pitchFamily="18" charset="0"/>
+              <a:cs typeface="Times New Roman" panose="02020603050405020304" pitchFamily="18" charset="0"/>
+            </a:endParaRPr>
+          </a:p>
+          <a:p>
+            <a:pPr marL="285750" indent="-285750">
+              <a:buClr>
+                <a:schemeClr val="accent1">
+                  <a:lumMod val="75000"/>
+                </a:schemeClr>
+              </a:buClr>
+              <a:buFont typeface="Arial" panose="020B0604020202020204" pitchFamily="34" charset="0"/>
+              <a:buChar char="•"/>
+            </a:pPr>
+            <a:r>
+              <a:rPr lang="it-IT" sz="1400" dirty="0" err="1">
+                <a:solidFill>
+                  <a:schemeClr val="tx1">
+                    <a:lumMod val="75000"/>
+                    <a:lumOff val="25000"/>
+                  </a:schemeClr>
+                </a:solidFill>
+                <a:latin typeface="Times New Roman" panose="02020603050405020304" pitchFamily="18" charset="0"/>
+                <a:cs typeface="Times New Roman" panose="02020603050405020304" pitchFamily="18" charset="0"/>
+              </a:rPr>
+              <a:t>OffersPage</a:t>
+            </a:r>
+            <a:endParaRPr lang="it-IT" sz="1400" dirty="0">
+              <a:solidFill>
+                <a:schemeClr val="tx1">
+                  <a:lumMod val="75000"/>
+                  <a:lumOff val="25000"/>
+                </a:schemeClr>
+              </a:solidFill>
+              <a:latin typeface="Times New Roman" panose="02020603050405020304" pitchFamily="18" charset="0"/>
+              <a:cs typeface="Times New Roman" panose="02020603050405020304" pitchFamily="18" charset="0"/>
+            </a:endParaRPr>
+          </a:p>
+          <a:p>
+            <a:pPr marL="285750" indent="-285750">
+              <a:buClr>
+                <a:schemeClr val="accent1">
+                  <a:lumMod val="75000"/>
+                </a:schemeClr>
+              </a:buClr>
+              <a:buFont typeface="Arial" panose="020B0604020202020204" pitchFamily="34" charset="0"/>
+              <a:buChar char="•"/>
+            </a:pPr>
+            <a:r>
+              <a:rPr lang="it-IT" sz="1400" dirty="0" err="1">
+                <a:solidFill>
+                  <a:schemeClr val="tx1">
+                    <a:lumMod val="75000"/>
+                    <a:lumOff val="25000"/>
+                  </a:schemeClr>
+                </a:solidFill>
+                <a:latin typeface="Times New Roman" panose="02020603050405020304" pitchFamily="18" charset="0"/>
+                <a:cs typeface="Times New Roman" panose="02020603050405020304" pitchFamily="18" charset="0"/>
+              </a:rPr>
+              <a:t>SellPage</a:t>
+            </a:r>
             <a:endParaRPr lang="en-US" sz="1400" dirty="0">
               <a:solidFill>
                 <a:schemeClr val="tx1">
@@ -14057,9 +14282,6 @@
               <a:latin typeface="Times New Roman" panose="02020603050405020304" pitchFamily="18" charset="0"/>
               <a:cs typeface="Times New Roman" panose="02020603050405020304" pitchFamily="18" charset="0"/>
             </a:endParaRPr>
-          </a:p>
-          <a:p>
-            <a:endParaRPr lang="en-US" dirty="0"/>
           </a:p>
         </p:txBody>
       </p:sp>
@@ -15363,7 +15585,7 @@
         </p:nvSpPr>
         <p:spPr>
           <a:xfrm>
-            <a:off x="7501180" y="1282615"/>
+            <a:off x="4975668" y="3603189"/>
             <a:ext cx="2929179" cy="2369880"/>
           </a:xfrm>
           <a:prstGeom prst="rect">
@@ -15664,6 +15886,1386 @@
             </a:endParaRPr>
           </a:p>
           <a:p>
+            <a:endParaRPr lang="en-US" dirty="0"/>
+          </a:p>
+        </p:txBody>
+      </p:sp>
+      <p:sp>
+        <p:nvSpPr>
+          <p:cNvPr id="7" name="CasellaDiTesto 6">
+            <a:extLst>
+              <a:ext uri="{FF2B5EF4-FFF2-40B4-BE49-F238E27FC236}">
+                <a16:creationId xmlns:a16="http://schemas.microsoft.com/office/drawing/2014/main" id="{7405B8F2-86C0-DFCC-7B17-26C324B97418}"/>
+              </a:ext>
+            </a:extLst>
+          </p:cNvPr>
+          <p:cNvSpPr txBox="1"/>
+          <p:nvPr/>
+        </p:nvSpPr>
+        <p:spPr>
+          <a:xfrm>
+            <a:off x="7294538" y="335996"/>
+            <a:ext cx="3244153" cy="6350456"/>
+          </a:xfrm>
+          <a:prstGeom prst="rect">
+            <a:avLst/>
+          </a:prstGeom>
+          <a:noFill/>
+        </p:spPr>
+        <p:txBody>
+          <a:bodyPr wrap="square" rtlCol="0">
+            <a:spAutoFit/>
+          </a:bodyPr>
+          <a:lstStyle/>
+          <a:p>
+            <a:r>
+              <a:rPr lang="it-IT" sz="1400" dirty="0" err="1">
+                <a:solidFill>
+                  <a:schemeClr val="accent1"/>
+                </a:solidFill>
+                <a:latin typeface="Times New Roman" panose="02020603050405020304" pitchFamily="18" charset="0"/>
+                <a:ea typeface="+mj-ea"/>
+                <a:cs typeface="Times New Roman" panose="02020603050405020304" pitchFamily="18" charset="0"/>
+              </a:rPr>
+              <a:t>Views</a:t>
+            </a:r>
+            <a:r>
+              <a:rPr lang="it-IT" sz="1400" dirty="0">
+                <a:solidFill>
+                  <a:schemeClr val="accent1"/>
+                </a:solidFill>
+                <a:latin typeface="Times New Roman" panose="02020603050405020304" pitchFamily="18" charset="0"/>
+                <a:ea typeface="+mj-ea"/>
+                <a:cs typeface="Times New Roman" panose="02020603050405020304" pitchFamily="18" charset="0"/>
+              </a:rPr>
+              <a:t> &amp; </a:t>
+            </a:r>
+            <a:r>
+              <a:rPr lang="it-IT" sz="1400" dirty="0" err="1">
+                <a:solidFill>
+                  <a:schemeClr val="accent1"/>
+                </a:solidFill>
+                <a:latin typeface="Times New Roman" panose="02020603050405020304" pitchFamily="18" charset="0"/>
+                <a:ea typeface="+mj-ea"/>
+                <a:cs typeface="Times New Roman" panose="02020603050405020304" pitchFamily="18" charset="0"/>
+              </a:rPr>
+              <a:t>view</a:t>
+            </a:r>
+            <a:r>
+              <a:rPr lang="it-IT" sz="1400" dirty="0">
+                <a:solidFill>
+                  <a:schemeClr val="accent1"/>
+                </a:solidFill>
+                <a:latin typeface="Times New Roman" panose="02020603050405020304" pitchFamily="18" charset="0"/>
+                <a:ea typeface="+mj-ea"/>
+                <a:cs typeface="Times New Roman" panose="02020603050405020304" pitchFamily="18" charset="0"/>
+              </a:rPr>
+              <a:t> </a:t>
+            </a:r>
+            <a:r>
+              <a:rPr lang="it-IT" sz="1400" dirty="0" err="1">
+                <a:solidFill>
+                  <a:schemeClr val="accent1"/>
+                </a:solidFill>
+                <a:latin typeface="Times New Roman" panose="02020603050405020304" pitchFamily="18" charset="0"/>
+                <a:ea typeface="+mj-ea"/>
+                <a:cs typeface="Times New Roman" panose="02020603050405020304" pitchFamily="18" charset="0"/>
+              </a:rPr>
+              <a:t>components</a:t>
+            </a:r>
+            <a:endParaRPr lang="it-IT" sz="900" dirty="0">
+              <a:solidFill>
+                <a:schemeClr val="tx1">
+                  <a:lumMod val="75000"/>
+                  <a:lumOff val="25000"/>
+                </a:schemeClr>
+              </a:solidFill>
+              <a:latin typeface="Times New Roman" panose="02020603050405020304" pitchFamily="18" charset="0"/>
+              <a:cs typeface="Times New Roman" panose="02020603050405020304" pitchFamily="18" charset="0"/>
+            </a:endParaRPr>
+          </a:p>
+          <a:p>
+            <a:pPr marL="285750" indent="-285750">
+              <a:buClr>
+                <a:schemeClr val="accent1">
+                  <a:lumMod val="75000"/>
+                </a:schemeClr>
+              </a:buClr>
+              <a:buFont typeface="Arial" panose="020B0604020202020204" pitchFamily="34" charset="0"/>
+              <a:buChar char="•"/>
+            </a:pPr>
+            <a:r>
+              <a:rPr lang="it-IT" sz="1400" dirty="0">
+                <a:solidFill>
+                  <a:schemeClr val="tx1">
+                    <a:lumMod val="75000"/>
+                    <a:lumOff val="25000"/>
+                  </a:schemeClr>
+                </a:solidFill>
+                <a:latin typeface="Times New Roman" panose="02020603050405020304" pitchFamily="18" charset="0"/>
+                <a:cs typeface="Times New Roman" panose="02020603050405020304" pitchFamily="18" charset="0"/>
+              </a:rPr>
+              <a:t>router</a:t>
+            </a:r>
+          </a:p>
+          <a:p>
+            <a:pPr marL="742950" lvl="1" indent="-285750">
+              <a:buClr>
+                <a:schemeClr val="accent1">
+                  <a:lumMod val="75000"/>
+                </a:schemeClr>
+              </a:buClr>
+              <a:buFont typeface="Arial" panose="020B0604020202020204" pitchFamily="34" charset="0"/>
+              <a:buChar char="•"/>
+            </a:pPr>
+            <a:r>
+              <a:rPr lang="it-IT" sz="1200" dirty="0">
+                <a:solidFill>
+                  <a:schemeClr val="tx1">
+                    <a:lumMod val="75000"/>
+                    <a:lumOff val="25000"/>
+                  </a:schemeClr>
+                </a:solidFill>
+                <a:latin typeface="Times New Roman" panose="02020603050405020304" pitchFamily="18" charset="0"/>
+                <a:cs typeface="Times New Roman" panose="02020603050405020304" pitchFamily="18" charset="0"/>
+              </a:rPr>
+              <a:t>set(Page, </a:t>
+            </a:r>
+            <a:r>
+              <a:rPr lang="it-IT" sz="1200" dirty="0" err="1">
+                <a:solidFill>
+                  <a:schemeClr val="tx1">
+                    <a:lumMod val="75000"/>
+                    <a:lumOff val="25000"/>
+                  </a:schemeClr>
+                </a:solidFill>
+                <a:latin typeface="Times New Roman" panose="02020603050405020304" pitchFamily="18" charset="0"/>
+                <a:cs typeface="Times New Roman" panose="02020603050405020304" pitchFamily="18" charset="0"/>
+              </a:rPr>
+              <a:t>args</a:t>
+            </a:r>
+            <a:r>
+              <a:rPr lang="it-IT" sz="1200" dirty="0">
+                <a:solidFill>
+                  <a:schemeClr val="tx1">
+                    <a:lumMod val="75000"/>
+                    <a:lumOff val="25000"/>
+                  </a:schemeClr>
+                </a:solidFill>
+                <a:latin typeface="Times New Roman" panose="02020603050405020304" pitchFamily="18" charset="0"/>
+                <a:cs typeface="Times New Roman" panose="02020603050405020304" pitchFamily="18" charset="0"/>
+              </a:rPr>
+              <a:t>?)</a:t>
+            </a:r>
+          </a:p>
+          <a:p>
+            <a:pPr marL="742950" lvl="1" indent="-285750">
+              <a:buClr>
+                <a:schemeClr val="accent1">
+                  <a:lumMod val="75000"/>
+                </a:schemeClr>
+              </a:buClr>
+              <a:buFont typeface="Arial" panose="020B0604020202020204" pitchFamily="34" charset="0"/>
+              <a:buChar char="•"/>
+            </a:pPr>
+            <a:r>
+              <a:rPr lang="it-IT" sz="1200" dirty="0" err="1">
+                <a:solidFill>
+                  <a:schemeClr val="tx1">
+                    <a:lumMod val="75000"/>
+                    <a:lumOff val="25000"/>
+                  </a:schemeClr>
+                </a:solidFill>
+                <a:latin typeface="Times New Roman" panose="02020603050405020304" pitchFamily="18" charset="0"/>
+                <a:cs typeface="Times New Roman" panose="02020603050405020304" pitchFamily="18" charset="0"/>
+              </a:rPr>
+              <a:t>setById</a:t>
+            </a:r>
+            <a:r>
+              <a:rPr lang="it-IT" sz="1200" dirty="0">
+                <a:solidFill>
+                  <a:schemeClr val="tx1">
+                    <a:lumMod val="75000"/>
+                    <a:lumOff val="25000"/>
+                  </a:schemeClr>
+                </a:solidFill>
+                <a:latin typeface="Times New Roman" panose="02020603050405020304" pitchFamily="18" charset="0"/>
+                <a:cs typeface="Times New Roman" panose="02020603050405020304" pitchFamily="18" charset="0"/>
+              </a:rPr>
+              <a:t>(</a:t>
+            </a:r>
+            <a:r>
+              <a:rPr lang="it-IT" sz="1200" dirty="0" err="1">
+                <a:solidFill>
+                  <a:schemeClr val="tx1">
+                    <a:lumMod val="75000"/>
+                    <a:lumOff val="25000"/>
+                  </a:schemeClr>
+                </a:solidFill>
+                <a:latin typeface="Times New Roman" panose="02020603050405020304" pitchFamily="18" charset="0"/>
+                <a:cs typeface="Times New Roman" panose="02020603050405020304" pitchFamily="18" charset="0"/>
+              </a:rPr>
+              <a:t>pageId</a:t>
+            </a:r>
+            <a:r>
+              <a:rPr lang="it-IT" sz="1200" dirty="0">
+                <a:solidFill>
+                  <a:schemeClr val="tx1">
+                    <a:lumMod val="75000"/>
+                    <a:lumOff val="25000"/>
+                  </a:schemeClr>
+                </a:solidFill>
+                <a:latin typeface="Times New Roman" panose="02020603050405020304" pitchFamily="18" charset="0"/>
+                <a:cs typeface="Times New Roman" panose="02020603050405020304" pitchFamily="18" charset="0"/>
+              </a:rPr>
+              <a:t>: </a:t>
+            </a:r>
+            <a:r>
+              <a:rPr lang="it-IT" sz="1200" dirty="0" err="1">
+                <a:solidFill>
+                  <a:schemeClr val="tx1">
+                    <a:lumMod val="75000"/>
+                    <a:lumOff val="25000"/>
+                  </a:schemeClr>
+                </a:solidFill>
+                <a:latin typeface="Times New Roman" panose="02020603050405020304" pitchFamily="18" charset="0"/>
+                <a:cs typeface="Times New Roman" panose="02020603050405020304" pitchFamily="18" charset="0"/>
+              </a:rPr>
+              <a:t>string</a:t>
+            </a:r>
+            <a:r>
+              <a:rPr lang="it-IT" sz="1200" dirty="0">
+                <a:solidFill>
+                  <a:schemeClr val="tx1">
+                    <a:lumMod val="75000"/>
+                    <a:lumOff val="25000"/>
+                  </a:schemeClr>
+                </a:solidFill>
+                <a:latin typeface="Times New Roman" panose="02020603050405020304" pitchFamily="18" charset="0"/>
+                <a:cs typeface="Times New Roman" panose="02020603050405020304" pitchFamily="18" charset="0"/>
+              </a:rPr>
+              <a:t>, </a:t>
+            </a:r>
+            <a:r>
+              <a:rPr lang="it-IT" sz="1200" dirty="0" err="1">
+                <a:solidFill>
+                  <a:schemeClr val="tx1">
+                    <a:lumMod val="75000"/>
+                    <a:lumOff val="25000"/>
+                  </a:schemeClr>
+                </a:solidFill>
+                <a:latin typeface="Times New Roman" panose="02020603050405020304" pitchFamily="18" charset="0"/>
+                <a:cs typeface="Times New Roman" panose="02020603050405020304" pitchFamily="18" charset="0"/>
+              </a:rPr>
+              <a:t>args</a:t>
+            </a:r>
+            <a:r>
+              <a:rPr lang="it-IT" sz="1200" dirty="0">
+                <a:solidFill>
+                  <a:schemeClr val="tx1">
+                    <a:lumMod val="75000"/>
+                    <a:lumOff val="25000"/>
+                  </a:schemeClr>
+                </a:solidFill>
+                <a:latin typeface="Times New Roman" panose="02020603050405020304" pitchFamily="18" charset="0"/>
+                <a:cs typeface="Times New Roman" panose="02020603050405020304" pitchFamily="18" charset="0"/>
+              </a:rPr>
+              <a:t>?)</a:t>
+            </a:r>
+          </a:p>
+          <a:p>
+            <a:pPr marL="742950" lvl="1" indent="-285750">
+              <a:buClr>
+                <a:schemeClr val="accent1">
+                  <a:lumMod val="75000"/>
+                </a:schemeClr>
+              </a:buClr>
+              <a:buFont typeface="Arial" panose="020B0604020202020204" pitchFamily="34" charset="0"/>
+              <a:buChar char="•"/>
+            </a:pPr>
+            <a:r>
+              <a:rPr lang="it-IT" sz="1200" dirty="0" err="1">
+                <a:solidFill>
+                  <a:schemeClr val="tx1">
+                    <a:lumMod val="75000"/>
+                    <a:lumOff val="25000"/>
+                  </a:schemeClr>
+                </a:solidFill>
+                <a:latin typeface="Times New Roman" panose="02020603050405020304" pitchFamily="18" charset="0"/>
+                <a:cs typeface="Times New Roman" panose="02020603050405020304" pitchFamily="18" charset="0"/>
+              </a:rPr>
+              <a:t>get</a:t>
+            </a:r>
+            <a:r>
+              <a:rPr lang="it-IT" sz="1200" dirty="0">
+                <a:solidFill>
+                  <a:schemeClr val="tx1">
+                    <a:lumMod val="75000"/>
+                    <a:lumOff val="25000"/>
+                  </a:schemeClr>
+                </a:solidFill>
+                <a:latin typeface="Times New Roman" panose="02020603050405020304" pitchFamily="18" charset="0"/>
+                <a:cs typeface="Times New Roman" panose="02020603050405020304" pitchFamily="18" charset="0"/>
+              </a:rPr>
+              <a:t>() : Page</a:t>
+            </a:r>
+          </a:p>
+          <a:p>
+            <a:pPr marL="742950" lvl="1" indent="-285750">
+              <a:buClr>
+                <a:schemeClr val="accent1">
+                  <a:lumMod val="75000"/>
+                </a:schemeClr>
+              </a:buClr>
+              <a:buFont typeface="Arial" panose="020B0604020202020204" pitchFamily="34" charset="0"/>
+              <a:buChar char="•"/>
+            </a:pPr>
+            <a:r>
+              <a:rPr lang="it-IT" sz="1200" dirty="0" err="1">
+                <a:solidFill>
+                  <a:schemeClr val="tx1">
+                    <a:lumMod val="75000"/>
+                    <a:lumOff val="25000"/>
+                  </a:schemeClr>
+                </a:solidFill>
+                <a:latin typeface="Times New Roman" panose="02020603050405020304" pitchFamily="18" charset="0"/>
+                <a:cs typeface="Times New Roman" panose="02020603050405020304" pitchFamily="18" charset="0"/>
+              </a:rPr>
+              <a:t>isHomePage</a:t>
+            </a:r>
+            <a:r>
+              <a:rPr lang="it-IT" sz="1200" dirty="0">
+                <a:solidFill>
+                  <a:schemeClr val="tx1">
+                    <a:lumMod val="75000"/>
+                    <a:lumOff val="25000"/>
+                  </a:schemeClr>
+                </a:solidFill>
+                <a:latin typeface="Times New Roman" panose="02020603050405020304" pitchFamily="18" charset="0"/>
+                <a:cs typeface="Times New Roman" panose="02020603050405020304" pitchFamily="18" charset="0"/>
+              </a:rPr>
+              <a:t>() : </a:t>
+            </a:r>
+            <a:r>
+              <a:rPr lang="it-IT" sz="1200" dirty="0" err="1">
+                <a:solidFill>
+                  <a:schemeClr val="tx1">
+                    <a:lumMod val="75000"/>
+                    <a:lumOff val="25000"/>
+                  </a:schemeClr>
+                </a:solidFill>
+                <a:latin typeface="Times New Roman" panose="02020603050405020304" pitchFamily="18" charset="0"/>
+                <a:cs typeface="Times New Roman" panose="02020603050405020304" pitchFamily="18" charset="0"/>
+              </a:rPr>
+              <a:t>boolean</a:t>
+            </a:r>
+            <a:endParaRPr lang="it-IT" sz="1200" dirty="0">
+              <a:solidFill>
+                <a:schemeClr val="tx1">
+                  <a:lumMod val="75000"/>
+                  <a:lumOff val="25000"/>
+                </a:schemeClr>
+              </a:solidFill>
+              <a:latin typeface="Times New Roman" panose="02020603050405020304" pitchFamily="18" charset="0"/>
+              <a:cs typeface="Times New Roman" panose="02020603050405020304" pitchFamily="18" charset="0"/>
+            </a:endParaRPr>
+          </a:p>
+          <a:p>
+            <a:pPr marL="285750" indent="-285750">
+              <a:buClr>
+                <a:schemeClr val="accent1">
+                  <a:lumMod val="75000"/>
+                </a:schemeClr>
+              </a:buClr>
+              <a:buFont typeface="Arial" panose="020B0604020202020204" pitchFamily="34" charset="0"/>
+              <a:buChar char="•"/>
+            </a:pPr>
+            <a:r>
+              <a:rPr lang="it-IT" sz="1400" dirty="0" err="1">
+                <a:solidFill>
+                  <a:schemeClr val="tx1">
+                    <a:lumMod val="75000"/>
+                    <a:lumOff val="25000"/>
+                  </a:schemeClr>
+                </a:solidFill>
+                <a:latin typeface="Times New Roman" panose="02020603050405020304" pitchFamily="18" charset="0"/>
+                <a:cs typeface="Times New Roman" panose="02020603050405020304" pitchFamily="18" charset="0"/>
+              </a:rPr>
+              <a:t>buyPage</a:t>
+            </a:r>
+            <a:r>
+              <a:rPr lang="it-IT" sz="1400" dirty="0">
+                <a:solidFill>
+                  <a:schemeClr val="tx1">
+                    <a:lumMod val="75000"/>
+                    <a:lumOff val="25000"/>
+                  </a:schemeClr>
+                </a:solidFill>
+                <a:latin typeface="Times New Roman" panose="02020603050405020304" pitchFamily="18" charset="0"/>
+                <a:cs typeface="Times New Roman" panose="02020603050405020304" pitchFamily="18" charset="0"/>
+              </a:rPr>
+              <a:t> : Page</a:t>
+            </a:r>
+          </a:p>
+          <a:p>
+            <a:pPr marL="285750" indent="-285750">
+              <a:buClr>
+                <a:schemeClr val="accent1">
+                  <a:lumMod val="75000"/>
+                </a:schemeClr>
+              </a:buClr>
+              <a:buFont typeface="Arial" panose="020B0604020202020204" pitchFamily="34" charset="0"/>
+              <a:buChar char="•"/>
+            </a:pPr>
+            <a:r>
+              <a:rPr lang="it-IT" sz="1400" dirty="0" err="1">
+                <a:solidFill>
+                  <a:schemeClr val="tx1">
+                    <a:lumMod val="75000"/>
+                    <a:lumOff val="25000"/>
+                  </a:schemeClr>
+                </a:solidFill>
+                <a:latin typeface="Times New Roman" panose="02020603050405020304" pitchFamily="18" charset="0"/>
+                <a:cs typeface="Times New Roman" panose="02020603050405020304" pitchFamily="18" charset="0"/>
+              </a:rPr>
+              <a:t>sellPage</a:t>
+            </a:r>
+            <a:r>
+              <a:rPr lang="it-IT" sz="1400" dirty="0">
+                <a:solidFill>
+                  <a:schemeClr val="tx1">
+                    <a:lumMod val="75000"/>
+                    <a:lumOff val="25000"/>
+                  </a:schemeClr>
+                </a:solidFill>
+                <a:latin typeface="Times New Roman" panose="02020603050405020304" pitchFamily="18" charset="0"/>
+                <a:cs typeface="Times New Roman" panose="02020603050405020304" pitchFamily="18" charset="0"/>
+              </a:rPr>
+              <a:t> : Page</a:t>
+            </a:r>
+          </a:p>
+          <a:p>
+            <a:pPr marL="285750" indent="-285750">
+              <a:buClr>
+                <a:schemeClr val="accent1">
+                  <a:lumMod val="75000"/>
+                </a:schemeClr>
+              </a:buClr>
+              <a:buFont typeface="Arial" panose="020B0604020202020204" pitchFamily="34" charset="0"/>
+              <a:buChar char="•"/>
+            </a:pPr>
+            <a:r>
+              <a:rPr lang="it-IT" sz="1400" dirty="0" err="1">
+                <a:solidFill>
+                  <a:schemeClr val="tx1">
+                    <a:lumMod val="75000"/>
+                    <a:lumOff val="25000"/>
+                  </a:schemeClr>
+                </a:solidFill>
+                <a:latin typeface="Times New Roman" panose="02020603050405020304" pitchFamily="18" charset="0"/>
+                <a:cs typeface="Times New Roman" panose="02020603050405020304" pitchFamily="18" charset="0"/>
+              </a:rPr>
+              <a:t>auctionDetailsPage</a:t>
+            </a:r>
+            <a:r>
+              <a:rPr lang="it-IT" sz="1400" dirty="0">
+                <a:solidFill>
+                  <a:schemeClr val="tx1">
+                    <a:lumMod val="75000"/>
+                    <a:lumOff val="25000"/>
+                  </a:schemeClr>
+                </a:solidFill>
+                <a:latin typeface="Times New Roman" panose="02020603050405020304" pitchFamily="18" charset="0"/>
+                <a:cs typeface="Times New Roman" panose="02020603050405020304" pitchFamily="18" charset="0"/>
+              </a:rPr>
+              <a:t> : Page</a:t>
+            </a:r>
+          </a:p>
+          <a:p>
+            <a:pPr marL="285750" indent="-285750">
+              <a:buClr>
+                <a:schemeClr val="accent1">
+                  <a:lumMod val="75000"/>
+                </a:schemeClr>
+              </a:buClr>
+              <a:buFont typeface="Arial" panose="020B0604020202020204" pitchFamily="34" charset="0"/>
+              <a:buChar char="•"/>
+            </a:pPr>
+            <a:r>
+              <a:rPr lang="it-IT" sz="1400" dirty="0" err="1">
+                <a:solidFill>
+                  <a:schemeClr val="tx1">
+                    <a:lumMod val="75000"/>
+                    <a:lumOff val="25000"/>
+                  </a:schemeClr>
+                </a:solidFill>
+                <a:latin typeface="Times New Roman" panose="02020603050405020304" pitchFamily="18" charset="0"/>
+                <a:cs typeface="Times New Roman" panose="02020603050405020304" pitchFamily="18" charset="0"/>
+              </a:rPr>
+              <a:t>offersPage</a:t>
+            </a:r>
+            <a:r>
+              <a:rPr lang="it-IT" sz="1400" dirty="0">
+                <a:solidFill>
+                  <a:schemeClr val="tx1">
+                    <a:lumMod val="75000"/>
+                    <a:lumOff val="25000"/>
+                  </a:schemeClr>
+                </a:solidFill>
+                <a:latin typeface="Times New Roman" panose="02020603050405020304" pitchFamily="18" charset="0"/>
+                <a:cs typeface="Times New Roman" panose="02020603050405020304" pitchFamily="18" charset="0"/>
+              </a:rPr>
+              <a:t> : Page</a:t>
+            </a:r>
+          </a:p>
+          <a:p>
+            <a:pPr marL="285750" indent="-285750">
+              <a:buClr>
+                <a:schemeClr val="accent1">
+                  <a:lumMod val="75000"/>
+                </a:schemeClr>
+              </a:buClr>
+              <a:buFont typeface="Arial" panose="020B0604020202020204" pitchFamily="34" charset="0"/>
+              <a:buChar char="•"/>
+            </a:pPr>
+            <a:r>
+              <a:rPr lang="it-IT" sz="1400" dirty="0">
+                <a:solidFill>
+                  <a:schemeClr val="tx1">
+                    <a:lumMod val="75000"/>
+                    <a:lumOff val="25000"/>
+                  </a:schemeClr>
+                </a:solidFill>
+                <a:latin typeface="Times New Roman" panose="02020603050405020304" pitchFamily="18" charset="0"/>
+                <a:cs typeface="Times New Roman" panose="02020603050405020304" pitchFamily="18" charset="0"/>
+              </a:rPr>
+              <a:t>[Page]</a:t>
+            </a:r>
+          </a:p>
+          <a:p>
+            <a:pPr marL="742950" lvl="1" indent="-285750">
+              <a:buClr>
+                <a:schemeClr val="accent1">
+                  <a:lumMod val="75000"/>
+                </a:schemeClr>
+              </a:buClr>
+              <a:buFont typeface="Arial" panose="020B0604020202020204" pitchFamily="34" charset="0"/>
+              <a:buChar char="•"/>
+            </a:pPr>
+            <a:r>
+              <a:rPr lang="it-IT" sz="1200" dirty="0">
+                <a:solidFill>
+                  <a:schemeClr val="tx1">
+                    <a:lumMod val="75000"/>
+                    <a:lumOff val="25000"/>
+                  </a:schemeClr>
+                </a:solidFill>
+                <a:latin typeface="Times New Roman" panose="02020603050405020304" pitchFamily="18" charset="0"/>
+                <a:cs typeface="Times New Roman" panose="02020603050405020304" pitchFamily="18" charset="0"/>
+              </a:rPr>
+              <a:t>create()</a:t>
+            </a:r>
+          </a:p>
+          <a:p>
+            <a:pPr marL="742950" lvl="1" indent="-285750">
+              <a:buClr>
+                <a:schemeClr val="accent1">
+                  <a:lumMod val="75000"/>
+                </a:schemeClr>
+              </a:buClr>
+              <a:buFont typeface="Arial" panose="020B0604020202020204" pitchFamily="34" charset="0"/>
+              <a:buChar char="•"/>
+            </a:pPr>
+            <a:r>
+              <a:rPr lang="it-IT" sz="1200" dirty="0" err="1">
+                <a:solidFill>
+                  <a:schemeClr val="tx1">
+                    <a:lumMod val="75000"/>
+                    <a:lumOff val="25000"/>
+                  </a:schemeClr>
+                </a:solidFill>
+                <a:latin typeface="Times New Roman" panose="02020603050405020304" pitchFamily="18" charset="0"/>
+                <a:cs typeface="Times New Roman" panose="02020603050405020304" pitchFamily="18" charset="0"/>
+              </a:rPr>
+              <a:t>mount</a:t>
+            </a:r>
+            <a:r>
+              <a:rPr lang="it-IT" sz="1200" dirty="0">
+                <a:solidFill>
+                  <a:schemeClr val="tx1">
+                    <a:lumMod val="75000"/>
+                    <a:lumOff val="25000"/>
+                  </a:schemeClr>
+                </a:solidFill>
+                <a:latin typeface="Times New Roman" panose="02020603050405020304" pitchFamily="18" charset="0"/>
+                <a:cs typeface="Times New Roman" panose="02020603050405020304" pitchFamily="18" charset="0"/>
+              </a:rPr>
+              <a:t>(</a:t>
+            </a:r>
+            <a:r>
+              <a:rPr lang="it-IT" sz="1200" dirty="0" err="1">
+                <a:solidFill>
+                  <a:schemeClr val="tx1">
+                    <a:lumMod val="75000"/>
+                    <a:lumOff val="25000"/>
+                  </a:schemeClr>
+                </a:solidFill>
+                <a:latin typeface="Times New Roman" panose="02020603050405020304" pitchFamily="18" charset="0"/>
+                <a:cs typeface="Times New Roman" panose="02020603050405020304" pitchFamily="18" charset="0"/>
+              </a:rPr>
+              <a:t>args</a:t>
+            </a:r>
+            <a:r>
+              <a:rPr lang="it-IT" sz="1200" dirty="0">
+                <a:solidFill>
+                  <a:schemeClr val="tx1">
+                    <a:lumMod val="75000"/>
+                    <a:lumOff val="25000"/>
+                  </a:schemeClr>
+                </a:solidFill>
+                <a:latin typeface="Times New Roman" panose="02020603050405020304" pitchFamily="18" charset="0"/>
+                <a:cs typeface="Times New Roman" panose="02020603050405020304" pitchFamily="18" charset="0"/>
+              </a:rPr>
+              <a:t>: </a:t>
+            </a:r>
+            <a:r>
+              <a:rPr lang="it-IT" sz="1200" dirty="0" err="1">
+                <a:solidFill>
+                  <a:schemeClr val="tx1">
+                    <a:lumMod val="75000"/>
+                    <a:lumOff val="25000"/>
+                  </a:schemeClr>
+                </a:solidFill>
+                <a:latin typeface="Times New Roman" panose="02020603050405020304" pitchFamily="18" charset="0"/>
+                <a:cs typeface="Times New Roman" panose="02020603050405020304" pitchFamily="18" charset="0"/>
+              </a:rPr>
+              <a:t>URLSearchParams</a:t>
+            </a:r>
+            <a:r>
+              <a:rPr lang="it-IT" sz="1200" dirty="0">
+                <a:solidFill>
+                  <a:schemeClr val="tx1">
+                    <a:lumMod val="75000"/>
+                    <a:lumOff val="25000"/>
+                  </a:schemeClr>
+                </a:solidFill>
+                <a:latin typeface="Times New Roman" panose="02020603050405020304" pitchFamily="18" charset="0"/>
+                <a:cs typeface="Times New Roman" panose="02020603050405020304" pitchFamily="18" charset="0"/>
+              </a:rPr>
+              <a:t>)</a:t>
+            </a:r>
+          </a:p>
+          <a:p>
+            <a:pPr marL="742950" lvl="1" indent="-285750">
+              <a:buClr>
+                <a:schemeClr val="accent1">
+                  <a:lumMod val="75000"/>
+                </a:schemeClr>
+              </a:buClr>
+              <a:buFont typeface="Arial" panose="020B0604020202020204" pitchFamily="34" charset="0"/>
+              <a:buChar char="•"/>
+            </a:pPr>
+            <a:r>
+              <a:rPr lang="it-IT" sz="1200" dirty="0" err="1">
+                <a:solidFill>
+                  <a:schemeClr val="tx1">
+                    <a:lumMod val="75000"/>
+                    <a:lumOff val="25000"/>
+                  </a:schemeClr>
+                </a:solidFill>
+                <a:latin typeface="Times New Roman" panose="02020603050405020304" pitchFamily="18" charset="0"/>
+                <a:cs typeface="Times New Roman" panose="02020603050405020304" pitchFamily="18" charset="0"/>
+              </a:rPr>
+              <a:t>unmount</a:t>
+            </a:r>
+            <a:r>
+              <a:rPr lang="it-IT" sz="1200" dirty="0">
+                <a:solidFill>
+                  <a:schemeClr val="tx1">
+                    <a:lumMod val="75000"/>
+                    <a:lumOff val="25000"/>
+                  </a:schemeClr>
+                </a:solidFill>
+                <a:latin typeface="Times New Roman" panose="02020603050405020304" pitchFamily="18" charset="0"/>
+                <a:cs typeface="Times New Roman" panose="02020603050405020304" pitchFamily="18" charset="0"/>
+              </a:rPr>
+              <a:t>()</a:t>
+            </a:r>
+          </a:p>
+          <a:p>
+            <a:pPr marL="285750" indent="-285750">
+              <a:buClr>
+                <a:schemeClr val="accent1">
+                  <a:lumMod val="75000"/>
+                </a:schemeClr>
+              </a:buClr>
+              <a:buFont typeface="Arial" panose="020B0604020202020204" pitchFamily="34" charset="0"/>
+              <a:buChar char="•"/>
+            </a:pPr>
+            <a:endParaRPr lang="it-IT" sz="1400" dirty="0">
+              <a:solidFill>
+                <a:schemeClr val="tx1">
+                  <a:lumMod val="75000"/>
+                  <a:lumOff val="25000"/>
+                </a:schemeClr>
+              </a:solidFill>
+              <a:latin typeface="Times New Roman" panose="02020603050405020304" pitchFamily="18" charset="0"/>
+              <a:cs typeface="Times New Roman" panose="02020603050405020304" pitchFamily="18" charset="0"/>
+            </a:endParaRPr>
+          </a:p>
+          <a:p>
+            <a:pPr marL="285750" indent="-285750">
+              <a:lnSpc>
+                <a:spcPts val="1600"/>
+              </a:lnSpc>
+              <a:buClr>
+                <a:schemeClr val="accent1">
+                  <a:lumMod val="75000"/>
+                </a:schemeClr>
+              </a:buClr>
+              <a:buFont typeface="Arial" panose="020B0604020202020204" pitchFamily="34" charset="0"/>
+              <a:buChar char="•"/>
+            </a:pPr>
+            <a:r>
+              <a:rPr lang="en-US" sz="1400" dirty="0" err="1">
+                <a:solidFill>
+                  <a:schemeClr val="tx1">
+                    <a:lumMod val="75000"/>
+                    <a:lumOff val="25000"/>
+                  </a:schemeClr>
+                </a:solidFill>
+                <a:latin typeface="Times New Roman" panose="02020603050405020304" pitchFamily="18" charset="0"/>
+                <a:cs typeface="Times New Roman" panose="02020603050405020304" pitchFamily="18" charset="0"/>
+              </a:rPr>
+              <a:t>auctionRepository</a:t>
+            </a:r>
+            <a:endParaRPr lang="en-US" sz="1400" dirty="0">
+              <a:solidFill>
+                <a:schemeClr val="tx1">
+                  <a:lumMod val="75000"/>
+                  <a:lumOff val="25000"/>
+                </a:schemeClr>
+              </a:solidFill>
+              <a:latin typeface="Times New Roman" panose="02020603050405020304" pitchFamily="18" charset="0"/>
+              <a:cs typeface="Times New Roman" panose="02020603050405020304" pitchFamily="18" charset="0"/>
+            </a:endParaRPr>
+          </a:p>
+          <a:p>
+            <a:pPr marL="742950" lvl="1" indent="-285750">
+              <a:lnSpc>
+                <a:spcPts val="1600"/>
+              </a:lnSpc>
+              <a:buClr>
+                <a:schemeClr val="accent1">
+                  <a:lumMod val="75000"/>
+                </a:schemeClr>
+              </a:buClr>
+              <a:buFont typeface="Arial" panose="020B0604020202020204" pitchFamily="34" charset="0"/>
+              <a:buChar char="•"/>
+            </a:pPr>
+            <a:r>
+              <a:rPr lang="en-US" sz="1200" dirty="0" err="1">
+                <a:solidFill>
+                  <a:schemeClr val="tx1">
+                    <a:lumMod val="75000"/>
+                    <a:lumOff val="25000"/>
+                  </a:schemeClr>
+                </a:solidFill>
+                <a:latin typeface="Times New Roman" panose="02020603050405020304" pitchFamily="18" charset="0"/>
+                <a:cs typeface="Times New Roman" panose="02020603050405020304" pitchFamily="18" charset="0"/>
+              </a:rPr>
+              <a:t>getOpenAuctionById</a:t>
+            </a:r>
+            <a:r>
+              <a:rPr lang="en-US" sz="1200" dirty="0">
+                <a:solidFill>
+                  <a:schemeClr val="tx1">
+                    <a:lumMod val="75000"/>
+                    <a:lumOff val="25000"/>
+                  </a:schemeClr>
+                </a:solidFill>
+                <a:latin typeface="Times New Roman" panose="02020603050405020304" pitchFamily="18" charset="0"/>
+                <a:cs typeface="Times New Roman" panose="02020603050405020304" pitchFamily="18" charset="0"/>
+              </a:rPr>
+              <a:t>(id)</a:t>
+            </a:r>
+          </a:p>
+          <a:p>
+            <a:pPr marL="742950" lvl="1" indent="-285750">
+              <a:lnSpc>
+                <a:spcPts val="1600"/>
+              </a:lnSpc>
+              <a:buClr>
+                <a:schemeClr val="accent1">
+                  <a:lumMod val="75000"/>
+                </a:schemeClr>
+              </a:buClr>
+              <a:buFont typeface="Arial" panose="020B0604020202020204" pitchFamily="34" charset="0"/>
+              <a:buChar char="•"/>
+            </a:pPr>
+            <a:r>
+              <a:rPr lang="en-US" sz="1200" dirty="0" err="1">
+                <a:solidFill>
+                  <a:schemeClr val="tx1">
+                    <a:lumMod val="75000"/>
+                    <a:lumOff val="25000"/>
+                  </a:schemeClr>
+                </a:solidFill>
+                <a:latin typeface="Times New Roman" panose="02020603050405020304" pitchFamily="18" charset="0"/>
+                <a:cs typeface="Times New Roman" panose="02020603050405020304" pitchFamily="18" charset="0"/>
+              </a:rPr>
+              <a:t>closeAuction</a:t>
+            </a:r>
+            <a:r>
+              <a:rPr lang="en-US" sz="1200" dirty="0">
+                <a:solidFill>
+                  <a:schemeClr val="tx1">
+                    <a:lumMod val="75000"/>
+                    <a:lumOff val="25000"/>
+                  </a:schemeClr>
+                </a:solidFill>
+                <a:latin typeface="Times New Roman" panose="02020603050405020304" pitchFamily="18" charset="0"/>
+                <a:cs typeface="Times New Roman" panose="02020603050405020304" pitchFamily="18" charset="0"/>
+              </a:rPr>
+              <a:t>(</a:t>
+            </a:r>
+            <a:r>
+              <a:rPr lang="en-US" sz="1200" dirty="0" err="1">
+                <a:solidFill>
+                  <a:schemeClr val="tx1">
+                    <a:lumMod val="75000"/>
+                    <a:lumOff val="25000"/>
+                  </a:schemeClr>
+                </a:solidFill>
+                <a:latin typeface="Times New Roman" panose="02020603050405020304" pitchFamily="18" charset="0"/>
+                <a:cs typeface="Times New Roman" panose="02020603050405020304" pitchFamily="18" charset="0"/>
+              </a:rPr>
+              <a:t>FormData</a:t>
+            </a:r>
+            <a:r>
+              <a:rPr lang="en-US" sz="1200" dirty="0">
+                <a:solidFill>
+                  <a:schemeClr val="tx1">
+                    <a:lumMod val="75000"/>
+                    <a:lumOff val="25000"/>
+                  </a:schemeClr>
+                </a:solidFill>
+                <a:latin typeface="Times New Roman" panose="02020603050405020304" pitchFamily="18" charset="0"/>
+                <a:cs typeface="Times New Roman" panose="02020603050405020304" pitchFamily="18" charset="0"/>
+              </a:rPr>
+              <a:t>)</a:t>
+            </a:r>
+          </a:p>
+          <a:p>
+            <a:pPr marL="742950" lvl="1" indent="-285750">
+              <a:lnSpc>
+                <a:spcPts val="1600"/>
+              </a:lnSpc>
+              <a:buClr>
+                <a:schemeClr val="accent1">
+                  <a:lumMod val="75000"/>
+                </a:schemeClr>
+              </a:buClr>
+              <a:buFont typeface="Arial" panose="020B0604020202020204" pitchFamily="34" charset="0"/>
+              <a:buChar char="•"/>
+            </a:pPr>
+            <a:r>
+              <a:rPr lang="en-US" sz="1200" dirty="0" err="1">
+                <a:solidFill>
+                  <a:schemeClr val="tx1">
+                    <a:lumMod val="75000"/>
+                    <a:lumOff val="25000"/>
+                  </a:schemeClr>
+                </a:solidFill>
+                <a:latin typeface="Times New Roman" panose="02020603050405020304" pitchFamily="18" charset="0"/>
+                <a:cs typeface="Times New Roman" panose="02020603050405020304" pitchFamily="18" charset="0"/>
+              </a:rPr>
+              <a:t>getClosedAuction</a:t>
+            </a:r>
+            <a:r>
+              <a:rPr lang="en-US" sz="1200" dirty="0">
+                <a:solidFill>
+                  <a:schemeClr val="tx1">
+                    <a:lumMod val="75000"/>
+                    <a:lumOff val="25000"/>
+                  </a:schemeClr>
+                </a:solidFill>
+                <a:latin typeface="Times New Roman" panose="02020603050405020304" pitchFamily="18" charset="0"/>
+                <a:cs typeface="Times New Roman" panose="02020603050405020304" pitchFamily="18" charset="0"/>
+              </a:rPr>
+              <a:t>()</a:t>
+            </a:r>
+          </a:p>
+          <a:p>
+            <a:pPr marL="742950" lvl="1" indent="-285750">
+              <a:lnSpc>
+                <a:spcPts val="1600"/>
+              </a:lnSpc>
+              <a:buClr>
+                <a:schemeClr val="accent1">
+                  <a:lumMod val="75000"/>
+                </a:schemeClr>
+              </a:buClr>
+              <a:buFont typeface="Arial" panose="020B0604020202020204" pitchFamily="34" charset="0"/>
+              <a:buChar char="•"/>
+            </a:pPr>
+            <a:r>
+              <a:rPr lang="en-US" sz="1200" dirty="0" err="1">
+                <a:solidFill>
+                  <a:schemeClr val="tx1">
+                    <a:lumMod val="75000"/>
+                    <a:lumOff val="25000"/>
+                  </a:schemeClr>
+                </a:solidFill>
+                <a:latin typeface="Times New Roman" panose="02020603050405020304" pitchFamily="18" charset="0"/>
+                <a:cs typeface="Times New Roman" panose="02020603050405020304" pitchFamily="18" charset="0"/>
+              </a:rPr>
+              <a:t>getOpenAuction</a:t>
+            </a:r>
+            <a:r>
+              <a:rPr lang="en-US" sz="1200" dirty="0">
+                <a:solidFill>
+                  <a:schemeClr val="tx1">
+                    <a:lumMod val="75000"/>
+                    <a:lumOff val="25000"/>
+                  </a:schemeClr>
+                </a:solidFill>
+                <a:latin typeface="Times New Roman" panose="02020603050405020304" pitchFamily="18" charset="0"/>
+                <a:cs typeface="Times New Roman" panose="02020603050405020304" pitchFamily="18" charset="0"/>
+              </a:rPr>
+              <a:t>()</a:t>
+            </a:r>
+          </a:p>
+          <a:p>
+            <a:pPr marL="742950" lvl="1" indent="-285750">
+              <a:lnSpc>
+                <a:spcPts val="1600"/>
+              </a:lnSpc>
+              <a:buClr>
+                <a:schemeClr val="accent1">
+                  <a:lumMod val="75000"/>
+                </a:schemeClr>
+              </a:buClr>
+              <a:buFont typeface="Arial" panose="020B0604020202020204" pitchFamily="34" charset="0"/>
+              <a:buChar char="•"/>
+            </a:pPr>
+            <a:r>
+              <a:rPr lang="en-US" sz="1200" dirty="0" err="1">
+                <a:solidFill>
+                  <a:schemeClr val="tx1">
+                    <a:lumMod val="75000"/>
+                    <a:lumOff val="25000"/>
+                  </a:schemeClr>
+                </a:solidFill>
+                <a:latin typeface="Times New Roman" panose="02020603050405020304" pitchFamily="18" charset="0"/>
+                <a:cs typeface="Times New Roman" panose="02020603050405020304" pitchFamily="18" charset="0"/>
+              </a:rPr>
+              <a:t>getAuctionByIds</a:t>
+            </a:r>
+            <a:r>
+              <a:rPr lang="en-US" sz="1200" dirty="0">
+                <a:solidFill>
+                  <a:schemeClr val="tx1">
+                    <a:lumMod val="75000"/>
+                    <a:lumOff val="25000"/>
+                  </a:schemeClr>
+                </a:solidFill>
+                <a:latin typeface="Times New Roman" panose="02020603050405020304" pitchFamily="18" charset="0"/>
+                <a:cs typeface="Times New Roman" panose="02020603050405020304" pitchFamily="18" charset="0"/>
+              </a:rPr>
+              <a:t>(id)</a:t>
+            </a:r>
+          </a:p>
+          <a:p>
+            <a:pPr marL="742950" lvl="1" indent="-285750">
+              <a:lnSpc>
+                <a:spcPts val="1600"/>
+              </a:lnSpc>
+              <a:buClr>
+                <a:schemeClr val="accent1">
+                  <a:lumMod val="75000"/>
+                </a:schemeClr>
+              </a:buClr>
+              <a:buFont typeface="Arial" panose="020B0604020202020204" pitchFamily="34" charset="0"/>
+              <a:buChar char="•"/>
+            </a:pPr>
+            <a:r>
+              <a:rPr lang="en-US" sz="1200" dirty="0" err="1">
+                <a:solidFill>
+                  <a:schemeClr val="tx1">
+                    <a:lumMod val="75000"/>
+                    <a:lumOff val="25000"/>
+                  </a:schemeClr>
+                </a:solidFill>
+                <a:latin typeface="Times New Roman" panose="02020603050405020304" pitchFamily="18" charset="0"/>
+                <a:cs typeface="Times New Roman" panose="02020603050405020304" pitchFamily="18" charset="0"/>
+              </a:rPr>
+              <a:t>insertAuction</a:t>
+            </a:r>
+            <a:r>
+              <a:rPr lang="en-US" sz="1200" dirty="0">
+                <a:solidFill>
+                  <a:schemeClr val="tx1">
+                    <a:lumMod val="75000"/>
+                    <a:lumOff val="25000"/>
+                  </a:schemeClr>
+                </a:solidFill>
+                <a:latin typeface="Times New Roman" panose="02020603050405020304" pitchFamily="18" charset="0"/>
+                <a:cs typeface="Times New Roman" panose="02020603050405020304" pitchFamily="18" charset="0"/>
+              </a:rPr>
+              <a:t>(</a:t>
+            </a:r>
+            <a:r>
+              <a:rPr lang="en-US" sz="1200" dirty="0" err="1">
+                <a:solidFill>
+                  <a:schemeClr val="tx1">
+                    <a:lumMod val="75000"/>
+                    <a:lumOff val="25000"/>
+                  </a:schemeClr>
+                </a:solidFill>
+                <a:latin typeface="Times New Roman" panose="02020603050405020304" pitchFamily="18" charset="0"/>
+                <a:cs typeface="Times New Roman" panose="02020603050405020304" pitchFamily="18" charset="0"/>
+              </a:rPr>
+              <a:t>FormData</a:t>
+            </a:r>
+            <a:r>
+              <a:rPr lang="en-US" sz="1200" dirty="0">
+                <a:solidFill>
+                  <a:schemeClr val="tx1">
+                    <a:lumMod val="75000"/>
+                    <a:lumOff val="25000"/>
+                  </a:schemeClr>
+                </a:solidFill>
+                <a:latin typeface="Times New Roman" panose="02020603050405020304" pitchFamily="18" charset="0"/>
+                <a:cs typeface="Times New Roman" panose="02020603050405020304" pitchFamily="18" charset="0"/>
+              </a:rPr>
+              <a:t>)</a:t>
+            </a:r>
+          </a:p>
+          <a:p>
+            <a:pPr marL="742950" lvl="1" indent="-285750">
+              <a:lnSpc>
+                <a:spcPts val="1600"/>
+              </a:lnSpc>
+              <a:buClr>
+                <a:schemeClr val="accent1">
+                  <a:lumMod val="75000"/>
+                </a:schemeClr>
+              </a:buClr>
+              <a:buFont typeface="Arial" panose="020B0604020202020204" pitchFamily="34" charset="0"/>
+              <a:buChar char="•"/>
+            </a:pPr>
+            <a:r>
+              <a:rPr lang="en-US" sz="1200" dirty="0" err="1">
+                <a:solidFill>
+                  <a:schemeClr val="tx1">
+                    <a:lumMod val="75000"/>
+                    <a:lumOff val="25000"/>
+                  </a:schemeClr>
+                </a:solidFill>
+                <a:latin typeface="Times New Roman" panose="02020603050405020304" pitchFamily="18" charset="0"/>
+                <a:cs typeface="Times New Roman" panose="02020603050405020304" pitchFamily="18" charset="0"/>
+              </a:rPr>
+              <a:t>searchAuction</a:t>
+            </a:r>
+            <a:r>
+              <a:rPr lang="en-US" sz="1200" dirty="0">
+                <a:solidFill>
+                  <a:schemeClr val="tx1">
+                    <a:lumMod val="75000"/>
+                    <a:lumOff val="25000"/>
+                  </a:schemeClr>
+                </a:solidFill>
+                <a:latin typeface="Times New Roman" panose="02020603050405020304" pitchFamily="18" charset="0"/>
+                <a:cs typeface="Times New Roman" panose="02020603050405020304" pitchFamily="18" charset="0"/>
+              </a:rPr>
+              <a:t>(keyword)</a:t>
+            </a:r>
+          </a:p>
+          <a:p>
+            <a:pPr marL="742950" lvl="1" indent="-285750">
+              <a:lnSpc>
+                <a:spcPts val="1600"/>
+              </a:lnSpc>
+              <a:buClr>
+                <a:schemeClr val="accent1">
+                  <a:lumMod val="75000"/>
+                </a:schemeClr>
+              </a:buClr>
+              <a:buFont typeface="Arial" panose="020B0604020202020204" pitchFamily="34" charset="0"/>
+              <a:buChar char="•"/>
+            </a:pPr>
+            <a:r>
+              <a:rPr lang="en-US" sz="1200" dirty="0" err="1">
+                <a:solidFill>
+                  <a:schemeClr val="tx1">
+                    <a:lumMod val="75000"/>
+                    <a:lumOff val="25000"/>
+                  </a:schemeClr>
+                </a:solidFill>
+                <a:latin typeface="Times New Roman" panose="02020603050405020304" pitchFamily="18" charset="0"/>
+                <a:cs typeface="Times New Roman" panose="02020603050405020304" pitchFamily="18" charset="0"/>
+              </a:rPr>
+              <a:t>getBoughtAuctions</a:t>
+            </a:r>
+            <a:r>
+              <a:rPr lang="en-US" sz="1200" dirty="0">
+                <a:solidFill>
+                  <a:schemeClr val="tx1">
+                    <a:lumMod val="75000"/>
+                    <a:lumOff val="25000"/>
+                  </a:schemeClr>
+                </a:solidFill>
+                <a:latin typeface="Times New Roman" panose="02020603050405020304" pitchFamily="18" charset="0"/>
+                <a:cs typeface="Times New Roman" panose="02020603050405020304" pitchFamily="18" charset="0"/>
+              </a:rPr>
+              <a:t>()</a:t>
+            </a:r>
+          </a:p>
+          <a:p>
+            <a:pPr marL="285750" indent="-285750">
+              <a:lnSpc>
+                <a:spcPts val="1600"/>
+              </a:lnSpc>
+              <a:buClr>
+                <a:schemeClr val="accent1">
+                  <a:lumMod val="75000"/>
+                </a:schemeClr>
+              </a:buClr>
+              <a:buFont typeface="Arial" panose="020B0604020202020204" pitchFamily="34" charset="0"/>
+              <a:buChar char="•"/>
+            </a:pPr>
+            <a:r>
+              <a:rPr lang="en-US" sz="1400" dirty="0" err="1">
+                <a:solidFill>
+                  <a:schemeClr val="tx1">
+                    <a:lumMod val="75000"/>
+                    <a:lumOff val="25000"/>
+                  </a:schemeClr>
+                </a:solidFill>
+                <a:latin typeface="Times New Roman" panose="02020603050405020304" pitchFamily="18" charset="0"/>
+                <a:cs typeface="Times New Roman" panose="02020603050405020304" pitchFamily="18" charset="0"/>
+              </a:rPr>
+              <a:t>articleRepository</a:t>
+            </a:r>
+            <a:r>
+              <a:rPr lang="en-US" dirty="0"/>
+              <a:t> </a:t>
+            </a:r>
+          </a:p>
+          <a:p>
+            <a:pPr marL="742950" lvl="1" indent="-285750">
+              <a:lnSpc>
+                <a:spcPts val="1600"/>
+              </a:lnSpc>
+              <a:buClr>
+                <a:schemeClr val="accent1">
+                  <a:lumMod val="75000"/>
+                </a:schemeClr>
+              </a:buClr>
+              <a:buFont typeface="Arial" panose="020B0604020202020204" pitchFamily="34" charset="0"/>
+              <a:buChar char="•"/>
+            </a:pPr>
+            <a:r>
+              <a:rPr lang="en-US" sz="1200" dirty="0" err="1">
+                <a:solidFill>
+                  <a:schemeClr val="tx1">
+                    <a:lumMod val="75000"/>
+                    <a:lumOff val="25000"/>
+                  </a:schemeClr>
+                </a:solidFill>
+                <a:latin typeface="Times New Roman" panose="02020603050405020304" pitchFamily="18" charset="0"/>
+                <a:cs typeface="Times New Roman" panose="02020603050405020304" pitchFamily="18" charset="0"/>
+              </a:rPr>
+              <a:t>findAllArticles</a:t>
+            </a:r>
+            <a:r>
+              <a:rPr lang="en-US" sz="1200" dirty="0">
+                <a:solidFill>
+                  <a:schemeClr val="tx1">
+                    <a:lumMod val="75000"/>
+                    <a:lumOff val="25000"/>
+                  </a:schemeClr>
+                </a:solidFill>
+                <a:latin typeface="Times New Roman" panose="02020603050405020304" pitchFamily="18" charset="0"/>
+                <a:cs typeface="Times New Roman" panose="02020603050405020304" pitchFamily="18" charset="0"/>
+              </a:rPr>
+              <a:t>()</a:t>
+            </a:r>
+          </a:p>
+          <a:p>
+            <a:pPr marL="742950" lvl="1" indent="-285750">
+              <a:lnSpc>
+                <a:spcPts val="1600"/>
+              </a:lnSpc>
+              <a:buClr>
+                <a:schemeClr val="accent1">
+                  <a:lumMod val="75000"/>
+                </a:schemeClr>
+              </a:buClr>
+              <a:buFont typeface="Arial" panose="020B0604020202020204" pitchFamily="34" charset="0"/>
+              <a:buChar char="•"/>
+            </a:pPr>
+            <a:r>
+              <a:rPr lang="en-US" sz="1200" dirty="0" err="1">
+                <a:solidFill>
+                  <a:schemeClr val="tx1">
+                    <a:lumMod val="75000"/>
+                    <a:lumOff val="25000"/>
+                  </a:schemeClr>
+                </a:solidFill>
+                <a:latin typeface="Times New Roman" panose="02020603050405020304" pitchFamily="18" charset="0"/>
+                <a:cs typeface="Times New Roman" panose="02020603050405020304" pitchFamily="18" charset="0"/>
+              </a:rPr>
+              <a:t>insertArticle</a:t>
+            </a:r>
+            <a:r>
+              <a:rPr lang="en-US" sz="1200" dirty="0">
+                <a:solidFill>
+                  <a:schemeClr val="tx1">
+                    <a:lumMod val="75000"/>
+                    <a:lumOff val="25000"/>
+                  </a:schemeClr>
+                </a:solidFill>
+                <a:latin typeface="Times New Roman" panose="02020603050405020304" pitchFamily="18" charset="0"/>
+                <a:cs typeface="Times New Roman" panose="02020603050405020304" pitchFamily="18" charset="0"/>
+              </a:rPr>
+              <a:t>(</a:t>
+            </a:r>
+            <a:r>
+              <a:rPr lang="en-US" sz="1200" dirty="0" err="1">
+                <a:solidFill>
+                  <a:schemeClr val="tx1">
+                    <a:lumMod val="75000"/>
+                    <a:lumOff val="25000"/>
+                  </a:schemeClr>
+                </a:solidFill>
+                <a:latin typeface="Times New Roman" panose="02020603050405020304" pitchFamily="18" charset="0"/>
+                <a:cs typeface="Times New Roman" panose="02020603050405020304" pitchFamily="18" charset="0"/>
+              </a:rPr>
+              <a:t>FormData</a:t>
+            </a:r>
+            <a:r>
+              <a:rPr lang="en-US" sz="1200" dirty="0">
+                <a:solidFill>
+                  <a:schemeClr val="tx1">
+                    <a:lumMod val="75000"/>
+                    <a:lumOff val="25000"/>
+                  </a:schemeClr>
+                </a:solidFill>
+                <a:latin typeface="Times New Roman" panose="02020603050405020304" pitchFamily="18" charset="0"/>
+                <a:cs typeface="Times New Roman" panose="02020603050405020304" pitchFamily="18" charset="0"/>
+              </a:rPr>
+              <a:t>)</a:t>
+            </a:r>
+          </a:p>
+          <a:p>
+            <a:pPr marL="285750" indent="-285750">
+              <a:lnSpc>
+                <a:spcPts val="1600"/>
+              </a:lnSpc>
+              <a:buClr>
+                <a:schemeClr val="accent1">
+                  <a:lumMod val="75000"/>
+                </a:schemeClr>
+              </a:buClr>
+              <a:buFont typeface="Arial" panose="020B0604020202020204" pitchFamily="34" charset="0"/>
+              <a:buChar char="•"/>
+            </a:pPr>
+            <a:r>
+              <a:rPr lang="en-US" sz="1400" dirty="0" err="1">
+                <a:solidFill>
+                  <a:schemeClr val="tx1">
+                    <a:lumMod val="75000"/>
+                    <a:lumOff val="25000"/>
+                  </a:schemeClr>
+                </a:solidFill>
+                <a:latin typeface="Times New Roman" panose="02020603050405020304" pitchFamily="18" charset="0"/>
+                <a:cs typeface="Times New Roman" panose="02020603050405020304" pitchFamily="18" charset="0"/>
+              </a:rPr>
+              <a:t>offerRepository</a:t>
+            </a:r>
+            <a:r>
+              <a:rPr lang="en-US" dirty="0"/>
+              <a:t> </a:t>
+            </a:r>
+          </a:p>
+          <a:p>
+            <a:pPr marL="742950" lvl="1" indent="-285750">
+              <a:lnSpc>
+                <a:spcPts val="1600"/>
+              </a:lnSpc>
+              <a:buClr>
+                <a:schemeClr val="accent1">
+                  <a:lumMod val="75000"/>
+                </a:schemeClr>
+              </a:buClr>
+              <a:buFont typeface="Arial" panose="020B0604020202020204" pitchFamily="34" charset="0"/>
+              <a:buChar char="•"/>
+            </a:pPr>
+            <a:r>
+              <a:rPr lang="en-US" sz="1200" dirty="0" err="1">
+                <a:solidFill>
+                  <a:schemeClr val="tx1">
+                    <a:lumMod val="75000"/>
+                    <a:lumOff val="25000"/>
+                  </a:schemeClr>
+                </a:solidFill>
+                <a:latin typeface="Times New Roman" panose="02020603050405020304" pitchFamily="18" charset="0"/>
+                <a:cs typeface="Times New Roman" panose="02020603050405020304" pitchFamily="18" charset="0"/>
+              </a:rPr>
+              <a:t>insertOffer</a:t>
+            </a:r>
+            <a:r>
+              <a:rPr lang="en-US" sz="1200" dirty="0">
+                <a:solidFill>
+                  <a:schemeClr val="tx1">
+                    <a:lumMod val="75000"/>
+                    <a:lumOff val="25000"/>
+                  </a:schemeClr>
+                </a:solidFill>
+                <a:latin typeface="Times New Roman" panose="02020603050405020304" pitchFamily="18" charset="0"/>
+                <a:cs typeface="Times New Roman" panose="02020603050405020304" pitchFamily="18" charset="0"/>
+              </a:rPr>
+              <a:t>(</a:t>
+            </a:r>
+            <a:r>
+              <a:rPr lang="en-US" sz="1200" dirty="0" err="1">
+                <a:solidFill>
+                  <a:schemeClr val="tx1">
+                    <a:lumMod val="75000"/>
+                    <a:lumOff val="25000"/>
+                  </a:schemeClr>
+                </a:solidFill>
+                <a:latin typeface="Times New Roman" panose="02020603050405020304" pitchFamily="18" charset="0"/>
+                <a:cs typeface="Times New Roman" panose="02020603050405020304" pitchFamily="18" charset="0"/>
+              </a:rPr>
+              <a:t>FormData</a:t>
+            </a:r>
+            <a:r>
+              <a:rPr lang="en-US" sz="1200" dirty="0">
+                <a:solidFill>
+                  <a:schemeClr val="tx1">
+                    <a:lumMod val="75000"/>
+                    <a:lumOff val="25000"/>
+                  </a:schemeClr>
+                </a:solidFill>
+                <a:latin typeface="Times New Roman" panose="02020603050405020304" pitchFamily="18" charset="0"/>
+                <a:cs typeface="Times New Roman" panose="02020603050405020304" pitchFamily="18" charset="0"/>
+              </a:rPr>
+              <a:t>)</a:t>
+            </a:r>
+          </a:p>
+          <a:p>
+            <a:pPr marL="285750" indent="-285750">
+              <a:buClr>
+                <a:schemeClr val="accent1">
+                  <a:lumMod val="75000"/>
+                </a:schemeClr>
+              </a:buClr>
+              <a:buFont typeface="Arial" panose="020B0604020202020204" pitchFamily="34" charset="0"/>
+              <a:buChar char="•"/>
+            </a:pPr>
             <a:endParaRPr lang="en-US" dirty="0"/>
           </a:p>
         </p:txBody>

--- a/docs/TIWProjectSpangaroFerlin.pptx
+++ b/docs/TIWProjectSpangaroFerlin.pptx
@@ -5,7 +5,7 @@
     <p:sldMasterId id="2147483739" r:id="rId1"/>
   </p:sldMasterIdLst>
   <p:notesMasterIdLst>
-    <p:notesMasterId r:id="rId25"/>
+    <p:notesMasterId r:id="rId39"/>
   </p:notesMasterIdLst>
   <p:sldIdLst>
     <p:sldId id="256" r:id="rId2"/>
@@ -31,6 +31,20 @@
     <p:sldId id="277" r:id="rId22"/>
     <p:sldId id="278" r:id="rId23"/>
     <p:sldId id="279" r:id="rId24"/>
+    <p:sldId id="280" r:id="rId25"/>
+    <p:sldId id="281" r:id="rId26"/>
+    <p:sldId id="282" r:id="rId27"/>
+    <p:sldId id="283" r:id="rId28"/>
+    <p:sldId id="285" r:id="rId29"/>
+    <p:sldId id="286" r:id="rId30"/>
+    <p:sldId id="287" r:id="rId31"/>
+    <p:sldId id="288" r:id="rId32"/>
+    <p:sldId id="292" r:id="rId33"/>
+    <p:sldId id="291" r:id="rId34"/>
+    <p:sldId id="289" r:id="rId35"/>
+    <p:sldId id="290" r:id="rId36"/>
+    <p:sldId id="293" r:id="rId37"/>
+    <p:sldId id="294" r:id="rId38"/>
   </p:sldIdLst>
   <p:sldSz cx="12192000" cy="6858000"/>
   <p:notesSz cx="6858000" cy="9144000"/>
@@ -22679,6 +22693,1142 @@
 </p:sld>
 </file>
 
+<file path=ppt/slides/slide24.xml><?xml version="1.0" encoding="utf-8"?>
+<p:sld xmlns:a="http://schemas.openxmlformats.org/drawingml/2006/main" xmlns:r="http://schemas.openxmlformats.org/officeDocument/2006/relationships" xmlns:p="http://schemas.openxmlformats.org/presentationml/2006/main">
+  <p:cSld>
+    <p:spTree>
+      <p:nvGrpSpPr>
+        <p:cNvPr id="1" name=""/>
+        <p:cNvGrpSpPr/>
+        <p:nvPr/>
+      </p:nvGrpSpPr>
+      <p:grpSpPr>
+        <a:xfrm>
+          <a:off x="0" y="0"/>
+          <a:ext cx="0" cy="0"/>
+          <a:chOff x="0" y="0"/>
+          <a:chExt cx="0" cy="0"/>
+        </a:xfrm>
+      </p:grpSpPr>
+      <p:sp>
+        <p:nvSpPr>
+          <p:cNvPr id="2" name="Titolo 1">
+            <a:extLst>
+              <a:ext uri="{FF2B5EF4-FFF2-40B4-BE49-F238E27FC236}">
+                <a16:creationId xmlns:a16="http://schemas.microsoft.com/office/drawing/2014/main" id="{295C77D2-71BE-F49B-41BD-431B505B753E}"/>
+              </a:ext>
+            </a:extLst>
+          </p:cNvPr>
+          <p:cNvSpPr>
+            <a:spLocks noGrp="1"/>
+          </p:cNvSpPr>
+          <p:nvPr>
+            <p:ph type="ctrTitle"/>
+          </p:nvPr>
+        </p:nvSpPr>
+        <p:spPr/>
+        <p:txBody>
+          <a:bodyPr/>
+          <a:lstStyle/>
+          <a:p>
+            <a:r>
+              <a:rPr lang="it-IT" dirty="0" err="1">
+                <a:latin typeface="Times New Roman" panose="02020603050405020304" pitchFamily="18" charset="0"/>
+                <a:cs typeface="Times New Roman" panose="02020603050405020304" pitchFamily="18" charset="0"/>
+              </a:rPr>
+              <a:t>Sequence</a:t>
+            </a:r>
+            <a:r>
+              <a:rPr lang="it-IT" dirty="0">
+                <a:latin typeface="Times New Roman" panose="02020603050405020304" pitchFamily="18" charset="0"/>
+                <a:cs typeface="Times New Roman" panose="02020603050405020304" pitchFamily="18" charset="0"/>
+              </a:rPr>
+              <a:t> </a:t>
+            </a:r>
+            <a:r>
+              <a:rPr lang="it-IT" dirty="0" err="1">
+                <a:latin typeface="Times New Roman" panose="02020603050405020304" pitchFamily="18" charset="0"/>
+                <a:cs typeface="Times New Roman" panose="02020603050405020304" pitchFamily="18" charset="0"/>
+              </a:rPr>
+              <a:t>diagram</a:t>
+            </a:r>
+            <a:r>
+              <a:rPr lang="it-IT" dirty="0">
+                <a:latin typeface="Times New Roman" panose="02020603050405020304" pitchFamily="18" charset="0"/>
+                <a:cs typeface="Times New Roman" panose="02020603050405020304" pitchFamily="18" charset="0"/>
+              </a:rPr>
+              <a:t> </a:t>
+            </a:r>
+            <a:r>
+              <a:rPr lang="it-IT" b="1" dirty="0" err="1">
+                <a:latin typeface="Times New Roman" panose="02020603050405020304" pitchFamily="18" charset="0"/>
+                <a:cs typeface="Times New Roman" panose="02020603050405020304" pitchFamily="18" charset="0"/>
+              </a:rPr>
+              <a:t>HTMLPure</a:t>
+            </a:r>
+            <a:endParaRPr lang="it-IT" b="1" dirty="0">
+              <a:latin typeface="Times New Roman" panose="02020603050405020304" pitchFamily="18" charset="0"/>
+              <a:cs typeface="Times New Roman" panose="02020603050405020304" pitchFamily="18" charset="0"/>
+            </a:endParaRPr>
+          </a:p>
+        </p:txBody>
+      </p:sp>
+    </p:spTree>
+    <p:extLst>
+      <p:ext uri="{BB962C8B-B14F-4D97-AF65-F5344CB8AC3E}">
+        <p14:creationId xmlns:p14="http://schemas.microsoft.com/office/powerpoint/2010/main" val="1080152706"/>
+      </p:ext>
+    </p:extLst>
+  </p:cSld>
+  <p:clrMapOvr>
+    <a:masterClrMapping/>
+  </p:clrMapOvr>
+</p:sld>
+</file>
+
+<file path=ppt/slides/slide25.xml><?xml version="1.0" encoding="utf-8"?>
+<p:sld xmlns:a="http://schemas.openxmlformats.org/drawingml/2006/main" xmlns:r="http://schemas.openxmlformats.org/officeDocument/2006/relationships" xmlns:p="http://schemas.openxmlformats.org/presentationml/2006/main">
+  <p:cSld>
+    <p:spTree>
+      <p:nvGrpSpPr>
+        <p:cNvPr id="1" name=""/>
+        <p:cNvGrpSpPr/>
+        <p:nvPr/>
+      </p:nvGrpSpPr>
+      <p:grpSpPr>
+        <a:xfrm>
+          <a:off x="0" y="0"/>
+          <a:ext cx="0" cy="0"/>
+          <a:chOff x="0" y="0"/>
+          <a:chExt cx="0" cy="0"/>
+        </a:xfrm>
+      </p:grpSpPr>
+      <p:sp>
+        <p:nvSpPr>
+          <p:cNvPr id="2" name="Titolo 1">
+            <a:extLst>
+              <a:ext uri="{FF2B5EF4-FFF2-40B4-BE49-F238E27FC236}">
+                <a16:creationId xmlns:a16="http://schemas.microsoft.com/office/drawing/2014/main" id="{5521AAD3-9A4F-F422-F6DD-92175262F270}"/>
+              </a:ext>
+            </a:extLst>
+          </p:cNvPr>
+          <p:cNvSpPr>
+            <a:spLocks noGrp="1"/>
+          </p:cNvSpPr>
+          <p:nvPr>
+            <p:ph type="title"/>
+          </p:nvPr>
+        </p:nvSpPr>
+        <p:spPr>
+          <a:xfrm>
+            <a:off x="677334" y="209550"/>
+            <a:ext cx="8596668" cy="1320800"/>
+          </a:xfrm>
+        </p:spPr>
+        <p:txBody>
+          <a:bodyPr/>
+          <a:lstStyle/>
+          <a:p>
+            <a:r>
+              <a:rPr lang="it-IT" dirty="0" err="1">
+                <a:latin typeface="Times New Roman" panose="02020603050405020304" pitchFamily="18" charset="0"/>
+                <a:cs typeface="Times New Roman" panose="02020603050405020304" pitchFamily="18" charset="0"/>
+              </a:rPr>
+              <a:t>Sequence</a:t>
+            </a:r>
+            <a:r>
+              <a:rPr lang="it-IT" dirty="0">
+                <a:latin typeface="Times New Roman" panose="02020603050405020304" pitchFamily="18" charset="0"/>
+                <a:cs typeface="Times New Roman" panose="02020603050405020304" pitchFamily="18" charset="0"/>
+              </a:rPr>
+              <a:t> </a:t>
+            </a:r>
+            <a:r>
+              <a:rPr lang="it-IT" dirty="0" err="1">
+                <a:latin typeface="Times New Roman" panose="02020603050405020304" pitchFamily="18" charset="0"/>
+                <a:cs typeface="Times New Roman" panose="02020603050405020304" pitchFamily="18" charset="0"/>
+              </a:rPr>
+              <a:t>Diagram</a:t>
+            </a:r>
+            <a:r>
+              <a:rPr lang="it-IT" dirty="0">
+                <a:latin typeface="Times New Roman" panose="02020603050405020304" pitchFamily="18" charset="0"/>
+                <a:cs typeface="Times New Roman" panose="02020603050405020304" pitchFamily="18" charset="0"/>
+              </a:rPr>
+              <a:t> – Login (</a:t>
+            </a:r>
+            <a:r>
+              <a:rPr lang="it-IT" dirty="0" err="1">
+                <a:latin typeface="Times New Roman" panose="02020603050405020304" pitchFamily="18" charset="0"/>
+                <a:cs typeface="Times New Roman" panose="02020603050405020304" pitchFamily="18" charset="0"/>
+              </a:rPr>
+              <a:t>HTMLPure</a:t>
+            </a:r>
+            <a:r>
+              <a:rPr lang="it-IT" dirty="0">
+                <a:latin typeface="Times New Roman" panose="02020603050405020304" pitchFamily="18" charset="0"/>
+                <a:cs typeface="Times New Roman" panose="02020603050405020304" pitchFamily="18" charset="0"/>
+              </a:rPr>
+              <a:t>)</a:t>
+            </a:r>
+          </a:p>
+        </p:txBody>
+      </p:sp>
+      <p:pic>
+        <p:nvPicPr>
+          <p:cNvPr id="9" name="Segnaposto contenuto 8" descr="Immagine che contiene testo, schermata, numero, linea&#10;&#10;Descrizione generata automaticamente">
+            <a:extLst>
+              <a:ext uri="{FF2B5EF4-FFF2-40B4-BE49-F238E27FC236}">
+                <a16:creationId xmlns:a16="http://schemas.microsoft.com/office/drawing/2014/main" id="{D787ECBD-08D5-4181-2252-56F8A791CA04}"/>
+              </a:ext>
+            </a:extLst>
+          </p:cNvPr>
+          <p:cNvPicPr>
+            <a:picLocks noGrp="1" noChangeAspect="1"/>
+          </p:cNvPicPr>
+          <p:nvPr>
+            <p:ph idx="1"/>
+          </p:nvPr>
+        </p:nvPicPr>
+        <p:blipFill>
+          <a:blip r:embed="rId2">
+            <a:extLst>
+              <a:ext uri="{28A0092B-C50C-407E-A947-70E740481C1C}">
+                <a14:useLocalDpi xmlns:a14="http://schemas.microsoft.com/office/drawing/2010/main" val="0"/>
+              </a:ext>
+            </a:extLst>
+          </a:blip>
+          <a:stretch>
+            <a:fillRect/>
+          </a:stretch>
+        </p:blipFill>
+        <p:spPr>
+          <a:xfrm>
+            <a:off x="677334" y="1005078"/>
+            <a:ext cx="9314391" cy="5153963"/>
+          </a:xfrm>
+        </p:spPr>
+      </p:pic>
+      <p:sp>
+        <p:nvSpPr>
+          <p:cNvPr id="4" name="Segnaposto piè di pagina 3">
+            <a:extLst>
+              <a:ext uri="{FF2B5EF4-FFF2-40B4-BE49-F238E27FC236}">
+                <a16:creationId xmlns:a16="http://schemas.microsoft.com/office/drawing/2014/main" id="{0374F490-C1E2-0EF6-119C-49198F93C065}"/>
+              </a:ext>
+            </a:extLst>
+          </p:cNvPr>
+          <p:cNvSpPr>
+            <a:spLocks noGrp="1"/>
+          </p:cNvSpPr>
+          <p:nvPr>
+            <p:ph type="ftr" sz="quarter" idx="11"/>
+          </p:nvPr>
+        </p:nvSpPr>
+        <p:spPr/>
+        <p:txBody>
+          <a:bodyPr/>
+          <a:lstStyle/>
+          <a:p>
+            <a:r>
+              <a:rPr lang="en-US"/>
+              <a:t>Traccia 1 - Spangaro, Ferlin</a:t>
+            </a:r>
+            <a:endParaRPr lang="en-US" dirty="0"/>
+          </a:p>
+        </p:txBody>
+      </p:sp>
+      <p:sp>
+        <p:nvSpPr>
+          <p:cNvPr id="5" name="Segnaposto numero diapositiva 4">
+            <a:extLst>
+              <a:ext uri="{FF2B5EF4-FFF2-40B4-BE49-F238E27FC236}">
+                <a16:creationId xmlns:a16="http://schemas.microsoft.com/office/drawing/2014/main" id="{3BFF140B-ED7B-F435-0A5C-3EEB27F75A1B}"/>
+              </a:ext>
+            </a:extLst>
+          </p:cNvPr>
+          <p:cNvSpPr>
+            <a:spLocks noGrp="1"/>
+          </p:cNvSpPr>
+          <p:nvPr>
+            <p:ph type="sldNum" sz="quarter" idx="12"/>
+          </p:nvPr>
+        </p:nvSpPr>
+        <p:spPr/>
+        <p:txBody>
+          <a:bodyPr/>
+          <a:lstStyle/>
+          <a:p>
+            <a:fld id="{BD8A8A1B-4E1E-43EF-8A39-7D4A3879B941}" type="slidenum">
+              <a:rPr lang="en-US" smtClean="0"/>
+              <a:pPr/>
+              <a:t>25</a:t>
+            </a:fld>
+            <a:endParaRPr lang="en-US" dirty="0"/>
+          </a:p>
+        </p:txBody>
+      </p:sp>
+    </p:spTree>
+    <p:extLst>
+      <p:ext uri="{BB962C8B-B14F-4D97-AF65-F5344CB8AC3E}">
+        <p14:creationId xmlns:p14="http://schemas.microsoft.com/office/powerpoint/2010/main" val="253502284"/>
+      </p:ext>
+    </p:extLst>
+  </p:cSld>
+  <p:clrMapOvr>
+    <a:masterClrMapping/>
+  </p:clrMapOvr>
+</p:sld>
+</file>
+
+<file path=ppt/slides/slide26.xml><?xml version="1.0" encoding="utf-8"?>
+<p:sld xmlns:a="http://schemas.openxmlformats.org/drawingml/2006/main" xmlns:r="http://schemas.openxmlformats.org/officeDocument/2006/relationships" xmlns:p="http://schemas.openxmlformats.org/presentationml/2006/main">
+  <p:cSld>
+    <p:spTree>
+      <p:nvGrpSpPr>
+        <p:cNvPr id="1" name=""/>
+        <p:cNvGrpSpPr/>
+        <p:nvPr/>
+      </p:nvGrpSpPr>
+      <p:grpSpPr>
+        <a:xfrm>
+          <a:off x="0" y="0"/>
+          <a:ext cx="0" cy="0"/>
+          <a:chOff x="0" y="0"/>
+          <a:chExt cx="0" cy="0"/>
+        </a:xfrm>
+      </p:grpSpPr>
+      <p:sp>
+        <p:nvSpPr>
+          <p:cNvPr id="2" name="Titolo 1">
+            <a:extLst>
+              <a:ext uri="{FF2B5EF4-FFF2-40B4-BE49-F238E27FC236}">
+                <a16:creationId xmlns:a16="http://schemas.microsoft.com/office/drawing/2014/main" id="{5521AAD3-9A4F-F422-F6DD-92175262F270}"/>
+              </a:ext>
+            </a:extLst>
+          </p:cNvPr>
+          <p:cNvSpPr>
+            <a:spLocks noGrp="1"/>
+          </p:cNvSpPr>
+          <p:nvPr>
+            <p:ph type="title"/>
+          </p:nvPr>
+        </p:nvSpPr>
+        <p:spPr>
+          <a:xfrm>
+            <a:off x="677333" y="209550"/>
+            <a:ext cx="9039321" cy="1320800"/>
+          </a:xfrm>
+        </p:spPr>
+        <p:txBody>
+          <a:bodyPr/>
+          <a:lstStyle/>
+          <a:p>
+            <a:r>
+              <a:rPr lang="it-IT" dirty="0" err="1">
+                <a:latin typeface="Times New Roman" panose="02020603050405020304" pitchFamily="18" charset="0"/>
+                <a:cs typeface="Times New Roman" panose="02020603050405020304" pitchFamily="18" charset="0"/>
+              </a:rPr>
+              <a:t>Sequence</a:t>
+            </a:r>
+            <a:r>
+              <a:rPr lang="it-IT" dirty="0">
+                <a:latin typeface="Times New Roman" panose="02020603050405020304" pitchFamily="18" charset="0"/>
+                <a:cs typeface="Times New Roman" panose="02020603050405020304" pitchFamily="18" charset="0"/>
+              </a:rPr>
+              <a:t> </a:t>
+            </a:r>
+            <a:r>
+              <a:rPr lang="it-IT" dirty="0" err="1">
+                <a:latin typeface="Times New Roman" panose="02020603050405020304" pitchFamily="18" charset="0"/>
+                <a:cs typeface="Times New Roman" panose="02020603050405020304" pitchFamily="18" charset="0"/>
+              </a:rPr>
+              <a:t>Diagram</a:t>
+            </a:r>
+            <a:r>
+              <a:rPr lang="it-IT" dirty="0">
+                <a:latin typeface="Times New Roman" panose="02020603050405020304" pitchFamily="18" charset="0"/>
+                <a:cs typeface="Times New Roman" panose="02020603050405020304" pitchFamily="18" charset="0"/>
+              </a:rPr>
+              <a:t> – </a:t>
+            </a:r>
+            <a:r>
+              <a:rPr lang="it-IT" dirty="0" err="1">
+                <a:latin typeface="Times New Roman" panose="02020603050405020304" pitchFamily="18" charset="0"/>
+                <a:cs typeface="Times New Roman" panose="02020603050405020304" pitchFamily="18" charset="0"/>
+              </a:rPr>
+              <a:t>NotLoggedFilter</a:t>
+            </a:r>
+            <a:r>
+              <a:rPr lang="it-IT" dirty="0">
+                <a:latin typeface="Times New Roman" panose="02020603050405020304" pitchFamily="18" charset="0"/>
+                <a:cs typeface="Times New Roman" panose="02020603050405020304" pitchFamily="18" charset="0"/>
+              </a:rPr>
+              <a:t> (</a:t>
+            </a:r>
+            <a:r>
+              <a:rPr lang="it-IT" dirty="0" err="1">
+                <a:latin typeface="Times New Roman" panose="02020603050405020304" pitchFamily="18" charset="0"/>
+                <a:cs typeface="Times New Roman" panose="02020603050405020304" pitchFamily="18" charset="0"/>
+              </a:rPr>
+              <a:t>HTMLPure</a:t>
+            </a:r>
+            <a:r>
+              <a:rPr lang="it-IT" dirty="0">
+                <a:latin typeface="Times New Roman" panose="02020603050405020304" pitchFamily="18" charset="0"/>
+                <a:cs typeface="Times New Roman" panose="02020603050405020304" pitchFamily="18" charset="0"/>
+              </a:rPr>
+              <a:t>)</a:t>
+            </a:r>
+          </a:p>
+        </p:txBody>
+      </p:sp>
+      <p:sp>
+        <p:nvSpPr>
+          <p:cNvPr id="4" name="Segnaposto piè di pagina 3">
+            <a:extLst>
+              <a:ext uri="{FF2B5EF4-FFF2-40B4-BE49-F238E27FC236}">
+                <a16:creationId xmlns:a16="http://schemas.microsoft.com/office/drawing/2014/main" id="{0374F490-C1E2-0EF6-119C-49198F93C065}"/>
+              </a:ext>
+            </a:extLst>
+          </p:cNvPr>
+          <p:cNvSpPr>
+            <a:spLocks noGrp="1"/>
+          </p:cNvSpPr>
+          <p:nvPr>
+            <p:ph type="ftr" sz="quarter" idx="11"/>
+          </p:nvPr>
+        </p:nvSpPr>
+        <p:spPr/>
+        <p:txBody>
+          <a:bodyPr/>
+          <a:lstStyle/>
+          <a:p>
+            <a:r>
+              <a:rPr lang="en-US"/>
+              <a:t>Traccia 1 - Spangaro, Ferlin</a:t>
+            </a:r>
+            <a:endParaRPr lang="en-US" dirty="0"/>
+          </a:p>
+        </p:txBody>
+      </p:sp>
+      <p:sp>
+        <p:nvSpPr>
+          <p:cNvPr id="5" name="Segnaposto numero diapositiva 4">
+            <a:extLst>
+              <a:ext uri="{FF2B5EF4-FFF2-40B4-BE49-F238E27FC236}">
+                <a16:creationId xmlns:a16="http://schemas.microsoft.com/office/drawing/2014/main" id="{3BFF140B-ED7B-F435-0A5C-3EEB27F75A1B}"/>
+              </a:ext>
+            </a:extLst>
+          </p:cNvPr>
+          <p:cNvSpPr>
+            <a:spLocks noGrp="1"/>
+          </p:cNvSpPr>
+          <p:nvPr>
+            <p:ph type="sldNum" sz="quarter" idx="12"/>
+          </p:nvPr>
+        </p:nvSpPr>
+        <p:spPr/>
+        <p:txBody>
+          <a:bodyPr/>
+          <a:lstStyle/>
+          <a:p>
+            <a:fld id="{BD8A8A1B-4E1E-43EF-8A39-7D4A3879B941}" type="slidenum">
+              <a:rPr lang="en-US" smtClean="0"/>
+              <a:pPr/>
+              <a:t>26</a:t>
+            </a:fld>
+            <a:endParaRPr lang="en-US" dirty="0"/>
+          </a:p>
+        </p:txBody>
+      </p:sp>
+      <p:pic>
+        <p:nvPicPr>
+          <p:cNvPr id="10" name="Segnaposto contenuto 9" descr="Immagine che contiene testo, schermata, linea, Carattere&#10;&#10;Descrizione generata automaticamente">
+            <a:extLst>
+              <a:ext uri="{FF2B5EF4-FFF2-40B4-BE49-F238E27FC236}">
+                <a16:creationId xmlns:a16="http://schemas.microsoft.com/office/drawing/2014/main" id="{70565412-2760-5A00-923C-89F38CD04353}"/>
+              </a:ext>
+            </a:extLst>
+          </p:cNvPr>
+          <p:cNvPicPr>
+            <a:picLocks noGrp="1" noChangeAspect="1"/>
+          </p:cNvPicPr>
+          <p:nvPr>
+            <p:ph idx="1"/>
+          </p:nvPr>
+        </p:nvPicPr>
+        <p:blipFill>
+          <a:blip r:embed="rId2">
+            <a:extLst>
+              <a:ext uri="{28A0092B-C50C-407E-A947-70E740481C1C}">
+                <a14:useLocalDpi xmlns:a14="http://schemas.microsoft.com/office/drawing/2010/main" val="0"/>
+              </a:ext>
+            </a:extLst>
+          </a:blip>
+          <a:stretch>
+            <a:fillRect/>
+          </a:stretch>
+        </p:blipFill>
+        <p:spPr>
+          <a:xfrm>
+            <a:off x="1127342" y="1598937"/>
+            <a:ext cx="8139301" cy="3660126"/>
+          </a:xfrm>
+          <a:prstGeom prst="rect">
+            <a:avLst/>
+          </a:prstGeom>
+        </p:spPr>
+      </p:pic>
+    </p:spTree>
+    <p:extLst>
+      <p:ext uri="{BB962C8B-B14F-4D97-AF65-F5344CB8AC3E}">
+        <p14:creationId xmlns:p14="http://schemas.microsoft.com/office/powerpoint/2010/main" val="4078997036"/>
+      </p:ext>
+    </p:extLst>
+  </p:cSld>
+  <p:clrMapOvr>
+    <a:masterClrMapping/>
+  </p:clrMapOvr>
+</p:sld>
+</file>
+
+<file path=ppt/slides/slide27.xml><?xml version="1.0" encoding="utf-8"?>
+<p:sld xmlns:a="http://schemas.openxmlformats.org/drawingml/2006/main" xmlns:r="http://schemas.openxmlformats.org/officeDocument/2006/relationships" xmlns:p="http://schemas.openxmlformats.org/presentationml/2006/main">
+  <p:cSld>
+    <p:spTree>
+      <p:nvGrpSpPr>
+        <p:cNvPr id="1" name=""/>
+        <p:cNvGrpSpPr/>
+        <p:nvPr/>
+      </p:nvGrpSpPr>
+      <p:grpSpPr>
+        <a:xfrm>
+          <a:off x="0" y="0"/>
+          <a:ext cx="0" cy="0"/>
+          <a:chOff x="0" y="0"/>
+          <a:chExt cx="0" cy="0"/>
+        </a:xfrm>
+      </p:grpSpPr>
+      <p:sp>
+        <p:nvSpPr>
+          <p:cNvPr id="2" name="Titolo 1">
+            <a:extLst>
+              <a:ext uri="{FF2B5EF4-FFF2-40B4-BE49-F238E27FC236}">
+                <a16:creationId xmlns:a16="http://schemas.microsoft.com/office/drawing/2014/main" id="{5521AAD3-9A4F-F422-F6DD-92175262F270}"/>
+              </a:ext>
+            </a:extLst>
+          </p:cNvPr>
+          <p:cNvSpPr>
+            <a:spLocks noGrp="1"/>
+          </p:cNvSpPr>
+          <p:nvPr>
+            <p:ph type="title"/>
+          </p:nvPr>
+        </p:nvSpPr>
+        <p:spPr>
+          <a:xfrm>
+            <a:off x="677334" y="209550"/>
+            <a:ext cx="8596668" cy="1320800"/>
+          </a:xfrm>
+        </p:spPr>
+        <p:txBody>
+          <a:bodyPr/>
+          <a:lstStyle/>
+          <a:p>
+            <a:r>
+              <a:rPr lang="it-IT" dirty="0" err="1">
+                <a:latin typeface="Times New Roman" panose="02020603050405020304" pitchFamily="18" charset="0"/>
+                <a:cs typeface="Times New Roman" panose="02020603050405020304" pitchFamily="18" charset="0"/>
+              </a:rPr>
+              <a:t>Sequence</a:t>
+            </a:r>
+            <a:r>
+              <a:rPr lang="it-IT" dirty="0">
+                <a:latin typeface="Times New Roman" panose="02020603050405020304" pitchFamily="18" charset="0"/>
+                <a:cs typeface="Times New Roman" panose="02020603050405020304" pitchFamily="18" charset="0"/>
+              </a:rPr>
+              <a:t> </a:t>
+            </a:r>
+            <a:r>
+              <a:rPr lang="it-IT" dirty="0" err="1">
+                <a:latin typeface="Times New Roman" panose="02020603050405020304" pitchFamily="18" charset="0"/>
+                <a:cs typeface="Times New Roman" panose="02020603050405020304" pitchFamily="18" charset="0"/>
+              </a:rPr>
+              <a:t>Diagram</a:t>
+            </a:r>
+            <a:r>
+              <a:rPr lang="it-IT" dirty="0">
+                <a:latin typeface="Times New Roman" panose="02020603050405020304" pitchFamily="18" charset="0"/>
+                <a:cs typeface="Times New Roman" panose="02020603050405020304" pitchFamily="18" charset="0"/>
+              </a:rPr>
+              <a:t> – </a:t>
+            </a:r>
+            <a:r>
+              <a:rPr lang="it-IT" dirty="0" err="1">
+                <a:latin typeface="Times New Roman" panose="02020603050405020304" pitchFamily="18" charset="0"/>
+                <a:cs typeface="Times New Roman" panose="02020603050405020304" pitchFamily="18" charset="0"/>
+              </a:rPr>
+              <a:t>BuyPage</a:t>
+            </a:r>
+            <a:r>
+              <a:rPr lang="it-IT" dirty="0">
+                <a:latin typeface="Times New Roman" panose="02020603050405020304" pitchFamily="18" charset="0"/>
+                <a:cs typeface="Times New Roman" panose="02020603050405020304" pitchFamily="18" charset="0"/>
+              </a:rPr>
+              <a:t> (</a:t>
+            </a:r>
+            <a:r>
+              <a:rPr lang="it-IT" dirty="0" err="1">
+                <a:latin typeface="Times New Roman" panose="02020603050405020304" pitchFamily="18" charset="0"/>
+                <a:cs typeface="Times New Roman" panose="02020603050405020304" pitchFamily="18" charset="0"/>
+              </a:rPr>
+              <a:t>HTMLPure</a:t>
+            </a:r>
+            <a:r>
+              <a:rPr lang="it-IT" dirty="0">
+                <a:latin typeface="Times New Roman" panose="02020603050405020304" pitchFamily="18" charset="0"/>
+                <a:cs typeface="Times New Roman" panose="02020603050405020304" pitchFamily="18" charset="0"/>
+              </a:rPr>
+              <a:t>)</a:t>
+            </a:r>
+          </a:p>
+        </p:txBody>
+      </p:sp>
+      <p:sp>
+        <p:nvSpPr>
+          <p:cNvPr id="4" name="Segnaposto piè di pagina 3">
+            <a:extLst>
+              <a:ext uri="{FF2B5EF4-FFF2-40B4-BE49-F238E27FC236}">
+                <a16:creationId xmlns:a16="http://schemas.microsoft.com/office/drawing/2014/main" id="{0374F490-C1E2-0EF6-119C-49198F93C065}"/>
+              </a:ext>
+            </a:extLst>
+          </p:cNvPr>
+          <p:cNvSpPr>
+            <a:spLocks noGrp="1"/>
+          </p:cNvSpPr>
+          <p:nvPr>
+            <p:ph type="ftr" sz="quarter" idx="11"/>
+          </p:nvPr>
+        </p:nvSpPr>
+        <p:spPr/>
+        <p:txBody>
+          <a:bodyPr/>
+          <a:lstStyle/>
+          <a:p>
+            <a:r>
+              <a:rPr lang="en-US"/>
+              <a:t>Traccia 1 - Spangaro, Ferlin</a:t>
+            </a:r>
+            <a:endParaRPr lang="en-US" dirty="0"/>
+          </a:p>
+        </p:txBody>
+      </p:sp>
+      <p:sp>
+        <p:nvSpPr>
+          <p:cNvPr id="5" name="Segnaposto numero diapositiva 4">
+            <a:extLst>
+              <a:ext uri="{FF2B5EF4-FFF2-40B4-BE49-F238E27FC236}">
+                <a16:creationId xmlns:a16="http://schemas.microsoft.com/office/drawing/2014/main" id="{3BFF140B-ED7B-F435-0A5C-3EEB27F75A1B}"/>
+              </a:ext>
+            </a:extLst>
+          </p:cNvPr>
+          <p:cNvSpPr>
+            <a:spLocks noGrp="1"/>
+          </p:cNvSpPr>
+          <p:nvPr>
+            <p:ph type="sldNum" sz="quarter" idx="12"/>
+          </p:nvPr>
+        </p:nvSpPr>
+        <p:spPr/>
+        <p:txBody>
+          <a:bodyPr/>
+          <a:lstStyle/>
+          <a:p>
+            <a:fld id="{BD8A8A1B-4E1E-43EF-8A39-7D4A3879B941}" type="slidenum">
+              <a:rPr lang="en-US" smtClean="0"/>
+              <a:pPr/>
+              <a:t>27</a:t>
+            </a:fld>
+            <a:endParaRPr lang="en-US" dirty="0"/>
+          </a:p>
+        </p:txBody>
+      </p:sp>
+      <p:pic>
+        <p:nvPicPr>
+          <p:cNvPr id="10" name="Segnaposto contenuto 9" descr="Immagine che contiene testo, schermata, Carattere, numero&#10;&#10;Descrizione generata automaticamente">
+            <a:extLst>
+              <a:ext uri="{FF2B5EF4-FFF2-40B4-BE49-F238E27FC236}">
+                <a16:creationId xmlns:a16="http://schemas.microsoft.com/office/drawing/2014/main" id="{01FEAAC1-B997-F64E-2914-73B1A390975A}"/>
+              </a:ext>
+            </a:extLst>
+          </p:cNvPr>
+          <p:cNvPicPr>
+            <a:picLocks noGrp="1" noChangeAspect="1"/>
+          </p:cNvPicPr>
+          <p:nvPr>
+            <p:ph idx="1"/>
+          </p:nvPr>
+        </p:nvPicPr>
+        <p:blipFill>
+          <a:blip r:embed="rId2">
+            <a:extLst>
+              <a:ext uri="{28A0092B-C50C-407E-A947-70E740481C1C}">
+                <a14:useLocalDpi xmlns:a14="http://schemas.microsoft.com/office/drawing/2010/main" val="0"/>
+              </a:ext>
+            </a:extLst>
+          </a:blip>
+          <a:stretch>
+            <a:fillRect/>
+          </a:stretch>
+        </p:blipFill>
+        <p:spPr>
+          <a:xfrm>
+            <a:off x="1988425" y="961054"/>
+            <a:ext cx="5974485" cy="4935891"/>
+          </a:xfrm>
+          <a:prstGeom prst="rect">
+            <a:avLst/>
+          </a:prstGeom>
+        </p:spPr>
+      </p:pic>
+    </p:spTree>
+    <p:extLst>
+      <p:ext uri="{BB962C8B-B14F-4D97-AF65-F5344CB8AC3E}">
+        <p14:creationId xmlns:p14="http://schemas.microsoft.com/office/powerpoint/2010/main" val="1443803238"/>
+      </p:ext>
+    </p:extLst>
+  </p:cSld>
+  <p:clrMapOvr>
+    <a:masterClrMapping/>
+  </p:clrMapOvr>
+</p:sld>
+</file>
+
+<file path=ppt/slides/slide28.xml><?xml version="1.0" encoding="utf-8"?>
+<p:sld xmlns:a="http://schemas.openxmlformats.org/drawingml/2006/main" xmlns:r="http://schemas.openxmlformats.org/officeDocument/2006/relationships" xmlns:p="http://schemas.openxmlformats.org/presentationml/2006/main">
+  <p:cSld>
+    <p:spTree>
+      <p:nvGrpSpPr>
+        <p:cNvPr id="1" name=""/>
+        <p:cNvGrpSpPr/>
+        <p:nvPr/>
+      </p:nvGrpSpPr>
+      <p:grpSpPr>
+        <a:xfrm>
+          <a:off x="0" y="0"/>
+          <a:ext cx="0" cy="0"/>
+          <a:chOff x="0" y="0"/>
+          <a:chExt cx="0" cy="0"/>
+        </a:xfrm>
+      </p:grpSpPr>
+      <p:sp>
+        <p:nvSpPr>
+          <p:cNvPr id="2" name="Titolo 1">
+            <a:extLst>
+              <a:ext uri="{FF2B5EF4-FFF2-40B4-BE49-F238E27FC236}">
+                <a16:creationId xmlns:a16="http://schemas.microsoft.com/office/drawing/2014/main" id="{5521AAD3-9A4F-F422-F6DD-92175262F270}"/>
+              </a:ext>
+            </a:extLst>
+          </p:cNvPr>
+          <p:cNvSpPr>
+            <a:spLocks noGrp="1"/>
+          </p:cNvSpPr>
+          <p:nvPr>
+            <p:ph type="title"/>
+          </p:nvPr>
+        </p:nvSpPr>
+        <p:spPr>
+          <a:xfrm>
+            <a:off x="677334" y="209550"/>
+            <a:ext cx="8596668" cy="1320800"/>
+          </a:xfrm>
+        </p:spPr>
+        <p:txBody>
+          <a:bodyPr/>
+          <a:lstStyle/>
+          <a:p>
+            <a:r>
+              <a:rPr lang="it-IT" dirty="0" err="1">
+                <a:latin typeface="Times New Roman" panose="02020603050405020304" pitchFamily="18" charset="0"/>
+                <a:cs typeface="Times New Roman" panose="02020603050405020304" pitchFamily="18" charset="0"/>
+              </a:rPr>
+              <a:t>Sequence</a:t>
+            </a:r>
+            <a:r>
+              <a:rPr lang="it-IT" dirty="0">
+                <a:latin typeface="Times New Roman" panose="02020603050405020304" pitchFamily="18" charset="0"/>
+                <a:cs typeface="Times New Roman" panose="02020603050405020304" pitchFamily="18" charset="0"/>
+              </a:rPr>
+              <a:t> </a:t>
+            </a:r>
+            <a:r>
+              <a:rPr lang="it-IT" dirty="0" err="1">
+                <a:latin typeface="Times New Roman" panose="02020603050405020304" pitchFamily="18" charset="0"/>
+                <a:cs typeface="Times New Roman" panose="02020603050405020304" pitchFamily="18" charset="0"/>
+              </a:rPr>
+              <a:t>Diagram</a:t>
+            </a:r>
+            <a:r>
+              <a:rPr lang="it-IT" dirty="0">
+                <a:latin typeface="Times New Roman" panose="02020603050405020304" pitchFamily="18" charset="0"/>
+                <a:cs typeface="Times New Roman" panose="02020603050405020304" pitchFamily="18" charset="0"/>
+              </a:rPr>
+              <a:t> – </a:t>
+            </a:r>
+            <a:r>
+              <a:rPr lang="it-IT" dirty="0" err="1">
+                <a:latin typeface="Times New Roman" panose="02020603050405020304" pitchFamily="18" charset="0"/>
+                <a:cs typeface="Times New Roman" panose="02020603050405020304" pitchFamily="18" charset="0"/>
+              </a:rPr>
+              <a:t>Search</a:t>
+            </a:r>
+            <a:r>
+              <a:rPr lang="it-IT" dirty="0">
+                <a:latin typeface="Times New Roman" panose="02020603050405020304" pitchFamily="18" charset="0"/>
+                <a:cs typeface="Times New Roman" panose="02020603050405020304" pitchFamily="18" charset="0"/>
+              </a:rPr>
+              <a:t> (</a:t>
+            </a:r>
+            <a:r>
+              <a:rPr lang="it-IT" dirty="0" err="1">
+                <a:latin typeface="Times New Roman" panose="02020603050405020304" pitchFamily="18" charset="0"/>
+                <a:cs typeface="Times New Roman" panose="02020603050405020304" pitchFamily="18" charset="0"/>
+              </a:rPr>
+              <a:t>HTMLPure</a:t>
+            </a:r>
+            <a:r>
+              <a:rPr lang="it-IT" dirty="0">
+                <a:latin typeface="Times New Roman" panose="02020603050405020304" pitchFamily="18" charset="0"/>
+                <a:cs typeface="Times New Roman" panose="02020603050405020304" pitchFamily="18" charset="0"/>
+              </a:rPr>
+              <a:t>)</a:t>
+            </a:r>
+          </a:p>
+        </p:txBody>
+      </p:sp>
+      <p:sp>
+        <p:nvSpPr>
+          <p:cNvPr id="4" name="Segnaposto piè di pagina 3">
+            <a:extLst>
+              <a:ext uri="{FF2B5EF4-FFF2-40B4-BE49-F238E27FC236}">
+                <a16:creationId xmlns:a16="http://schemas.microsoft.com/office/drawing/2014/main" id="{0374F490-C1E2-0EF6-119C-49198F93C065}"/>
+              </a:ext>
+            </a:extLst>
+          </p:cNvPr>
+          <p:cNvSpPr>
+            <a:spLocks noGrp="1"/>
+          </p:cNvSpPr>
+          <p:nvPr>
+            <p:ph type="ftr" sz="quarter" idx="11"/>
+          </p:nvPr>
+        </p:nvSpPr>
+        <p:spPr/>
+        <p:txBody>
+          <a:bodyPr/>
+          <a:lstStyle/>
+          <a:p>
+            <a:r>
+              <a:rPr lang="en-US"/>
+              <a:t>Traccia 1 - Spangaro, Ferlin</a:t>
+            </a:r>
+            <a:endParaRPr lang="en-US" dirty="0"/>
+          </a:p>
+        </p:txBody>
+      </p:sp>
+      <p:sp>
+        <p:nvSpPr>
+          <p:cNvPr id="5" name="Segnaposto numero diapositiva 4">
+            <a:extLst>
+              <a:ext uri="{FF2B5EF4-FFF2-40B4-BE49-F238E27FC236}">
+                <a16:creationId xmlns:a16="http://schemas.microsoft.com/office/drawing/2014/main" id="{3BFF140B-ED7B-F435-0A5C-3EEB27F75A1B}"/>
+              </a:ext>
+            </a:extLst>
+          </p:cNvPr>
+          <p:cNvSpPr>
+            <a:spLocks noGrp="1"/>
+          </p:cNvSpPr>
+          <p:nvPr>
+            <p:ph type="sldNum" sz="quarter" idx="12"/>
+          </p:nvPr>
+        </p:nvSpPr>
+        <p:spPr/>
+        <p:txBody>
+          <a:bodyPr/>
+          <a:lstStyle/>
+          <a:p>
+            <a:fld id="{BD8A8A1B-4E1E-43EF-8A39-7D4A3879B941}" type="slidenum">
+              <a:rPr lang="en-US" smtClean="0"/>
+              <a:pPr/>
+              <a:t>28</a:t>
+            </a:fld>
+            <a:endParaRPr lang="en-US" dirty="0"/>
+          </a:p>
+        </p:txBody>
+      </p:sp>
+      <p:pic>
+        <p:nvPicPr>
+          <p:cNvPr id="9" name="Segnaposto contenuto 8" descr="Immagine che contiene testo, schermata, numero, Carattere&#10;&#10;Descrizione generata automaticamente">
+            <a:extLst>
+              <a:ext uri="{FF2B5EF4-FFF2-40B4-BE49-F238E27FC236}">
+                <a16:creationId xmlns:a16="http://schemas.microsoft.com/office/drawing/2014/main" id="{E8F5CC85-7422-B055-0972-900A122237EF}"/>
+              </a:ext>
+            </a:extLst>
+          </p:cNvPr>
+          <p:cNvPicPr>
+            <a:picLocks noGrp="1" noChangeAspect="1"/>
+          </p:cNvPicPr>
+          <p:nvPr>
+            <p:ph idx="1"/>
+          </p:nvPr>
+        </p:nvPicPr>
+        <p:blipFill>
+          <a:blip r:embed="rId2">
+            <a:extLst>
+              <a:ext uri="{28A0092B-C50C-407E-A947-70E740481C1C}">
+                <a14:useLocalDpi xmlns:a14="http://schemas.microsoft.com/office/drawing/2010/main" val="0"/>
+              </a:ext>
+            </a:extLst>
+          </a:blip>
+          <a:stretch>
+            <a:fillRect/>
+          </a:stretch>
+        </p:blipFill>
+        <p:spPr>
+          <a:xfrm>
+            <a:off x="2434263" y="991062"/>
+            <a:ext cx="5338137" cy="5277477"/>
+          </a:xfrm>
+          <a:prstGeom prst="rect">
+            <a:avLst/>
+          </a:prstGeom>
+        </p:spPr>
+      </p:pic>
+    </p:spTree>
+    <p:extLst>
+      <p:ext uri="{BB962C8B-B14F-4D97-AF65-F5344CB8AC3E}">
+        <p14:creationId xmlns:p14="http://schemas.microsoft.com/office/powerpoint/2010/main" val="1180564"/>
+      </p:ext>
+    </p:extLst>
+  </p:cSld>
+  <p:clrMapOvr>
+    <a:masterClrMapping/>
+  </p:clrMapOvr>
+</p:sld>
+</file>
+
+<file path=ppt/slides/slide29.xml><?xml version="1.0" encoding="utf-8"?>
+<p:sld xmlns:a="http://schemas.openxmlformats.org/drawingml/2006/main" xmlns:r="http://schemas.openxmlformats.org/officeDocument/2006/relationships" xmlns:p="http://schemas.openxmlformats.org/presentationml/2006/main">
+  <p:cSld>
+    <p:spTree>
+      <p:nvGrpSpPr>
+        <p:cNvPr id="1" name=""/>
+        <p:cNvGrpSpPr/>
+        <p:nvPr/>
+      </p:nvGrpSpPr>
+      <p:grpSpPr>
+        <a:xfrm>
+          <a:off x="0" y="0"/>
+          <a:ext cx="0" cy="0"/>
+          <a:chOff x="0" y="0"/>
+          <a:chExt cx="0" cy="0"/>
+        </a:xfrm>
+      </p:grpSpPr>
+      <p:sp>
+        <p:nvSpPr>
+          <p:cNvPr id="2" name="Titolo 1">
+            <a:extLst>
+              <a:ext uri="{FF2B5EF4-FFF2-40B4-BE49-F238E27FC236}">
+                <a16:creationId xmlns:a16="http://schemas.microsoft.com/office/drawing/2014/main" id="{5521AAD3-9A4F-F422-F6DD-92175262F270}"/>
+              </a:ext>
+            </a:extLst>
+          </p:cNvPr>
+          <p:cNvSpPr>
+            <a:spLocks noGrp="1"/>
+          </p:cNvSpPr>
+          <p:nvPr>
+            <p:ph type="title"/>
+          </p:nvPr>
+        </p:nvSpPr>
+        <p:spPr>
+          <a:xfrm>
+            <a:off x="677334" y="209550"/>
+            <a:ext cx="8596668" cy="1320800"/>
+          </a:xfrm>
+        </p:spPr>
+        <p:txBody>
+          <a:bodyPr/>
+          <a:lstStyle/>
+          <a:p>
+            <a:r>
+              <a:rPr lang="it-IT" dirty="0" err="1">
+                <a:latin typeface="Times New Roman" panose="02020603050405020304" pitchFamily="18" charset="0"/>
+                <a:cs typeface="Times New Roman" panose="02020603050405020304" pitchFamily="18" charset="0"/>
+              </a:rPr>
+              <a:t>Sequence</a:t>
+            </a:r>
+            <a:r>
+              <a:rPr lang="it-IT" dirty="0">
+                <a:latin typeface="Times New Roman" panose="02020603050405020304" pitchFamily="18" charset="0"/>
+                <a:cs typeface="Times New Roman" panose="02020603050405020304" pitchFamily="18" charset="0"/>
+              </a:rPr>
+              <a:t> </a:t>
+            </a:r>
+            <a:r>
+              <a:rPr lang="it-IT" dirty="0" err="1">
+                <a:latin typeface="Times New Roman" panose="02020603050405020304" pitchFamily="18" charset="0"/>
+                <a:cs typeface="Times New Roman" panose="02020603050405020304" pitchFamily="18" charset="0"/>
+              </a:rPr>
+              <a:t>Diagram</a:t>
+            </a:r>
+            <a:r>
+              <a:rPr lang="it-IT" dirty="0">
+                <a:latin typeface="Times New Roman" panose="02020603050405020304" pitchFamily="18" charset="0"/>
+                <a:cs typeface="Times New Roman" panose="02020603050405020304" pitchFamily="18" charset="0"/>
+              </a:rPr>
+              <a:t> – </a:t>
+            </a:r>
+            <a:r>
+              <a:rPr lang="it-IT" dirty="0" err="1">
+                <a:latin typeface="Times New Roman" panose="02020603050405020304" pitchFamily="18" charset="0"/>
+                <a:cs typeface="Times New Roman" panose="02020603050405020304" pitchFamily="18" charset="0"/>
+              </a:rPr>
+              <a:t>SellPage</a:t>
+            </a:r>
+            <a:r>
+              <a:rPr lang="it-IT" dirty="0">
+                <a:latin typeface="Times New Roman" panose="02020603050405020304" pitchFamily="18" charset="0"/>
+                <a:cs typeface="Times New Roman" panose="02020603050405020304" pitchFamily="18" charset="0"/>
+              </a:rPr>
+              <a:t> (</a:t>
+            </a:r>
+            <a:r>
+              <a:rPr lang="it-IT" dirty="0" err="1">
+                <a:latin typeface="Times New Roman" panose="02020603050405020304" pitchFamily="18" charset="0"/>
+                <a:cs typeface="Times New Roman" panose="02020603050405020304" pitchFamily="18" charset="0"/>
+              </a:rPr>
+              <a:t>HTMLPure</a:t>
+            </a:r>
+            <a:r>
+              <a:rPr lang="it-IT" dirty="0">
+                <a:latin typeface="Times New Roman" panose="02020603050405020304" pitchFamily="18" charset="0"/>
+                <a:cs typeface="Times New Roman" panose="02020603050405020304" pitchFamily="18" charset="0"/>
+              </a:rPr>
+              <a:t>)</a:t>
+            </a:r>
+          </a:p>
+        </p:txBody>
+      </p:sp>
+      <p:sp>
+        <p:nvSpPr>
+          <p:cNvPr id="4" name="Segnaposto piè di pagina 3">
+            <a:extLst>
+              <a:ext uri="{FF2B5EF4-FFF2-40B4-BE49-F238E27FC236}">
+                <a16:creationId xmlns:a16="http://schemas.microsoft.com/office/drawing/2014/main" id="{0374F490-C1E2-0EF6-119C-49198F93C065}"/>
+              </a:ext>
+            </a:extLst>
+          </p:cNvPr>
+          <p:cNvSpPr>
+            <a:spLocks noGrp="1"/>
+          </p:cNvSpPr>
+          <p:nvPr>
+            <p:ph type="ftr" sz="quarter" idx="11"/>
+          </p:nvPr>
+        </p:nvSpPr>
+        <p:spPr/>
+        <p:txBody>
+          <a:bodyPr/>
+          <a:lstStyle/>
+          <a:p>
+            <a:r>
+              <a:rPr lang="en-US"/>
+              <a:t>Traccia 1 - Spangaro, Ferlin</a:t>
+            </a:r>
+            <a:endParaRPr lang="en-US" dirty="0"/>
+          </a:p>
+        </p:txBody>
+      </p:sp>
+      <p:sp>
+        <p:nvSpPr>
+          <p:cNvPr id="5" name="Segnaposto numero diapositiva 4">
+            <a:extLst>
+              <a:ext uri="{FF2B5EF4-FFF2-40B4-BE49-F238E27FC236}">
+                <a16:creationId xmlns:a16="http://schemas.microsoft.com/office/drawing/2014/main" id="{3BFF140B-ED7B-F435-0A5C-3EEB27F75A1B}"/>
+              </a:ext>
+            </a:extLst>
+          </p:cNvPr>
+          <p:cNvSpPr>
+            <a:spLocks noGrp="1"/>
+          </p:cNvSpPr>
+          <p:nvPr>
+            <p:ph type="sldNum" sz="quarter" idx="12"/>
+          </p:nvPr>
+        </p:nvSpPr>
+        <p:spPr/>
+        <p:txBody>
+          <a:bodyPr/>
+          <a:lstStyle/>
+          <a:p>
+            <a:fld id="{BD8A8A1B-4E1E-43EF-8A39-7D4A3879B941}" type="slidenum">
+              <a:rPr lang="en-US" smtClean="0"/>
+              <a:pPr/>
+              <a:t>29</a:t>
+            </a:fld>
+            <a:endParaRPr lang="en-US" dirty="0"/>
+          </a:p>
+        </p:txBody>
+      </p:sp>
+      <p:pic>
+        <p:nvPicPr>
+          <p:cNvPr id="10" name="Segnaposto contenuto 9" descr="Immagine che contiene testo, schermata, numero, Parallelo&#10;&#10;Descrizione generata automaticamente">
+            <a:extLst>
+              <a:ext uri="{FF2B5EF4-FFF2-40B4-BE49-F238E27FC236}">
+                <a16:creationId xmlns:a16="http://schemas.microsoft.com/office/drawing/2014/main" id="{85061C6B-DDC0-8574-653B-C6BDBF0AF29E}"/>
+              </a:ext>
+            </a:extLst>
+          </p:cNvPr>
+          <p:cNvPicPr>
+            <a:picLocks noGrp="1" noChangeAspect="1"/>
+          </p:cNvPicPr>
+          <p:nvPr>
+            <p:ph idx="1"/>
+          </p:nvPr>
+        </p:nvPicPr>
+        <p:blipFill>
+          <a:blip r:embed="rId2">
+            <a:extLst>
+              <a:ext uri="{28A0092B-C50C-407E-A947-70E740481C1C}">
+                <a14:useLocalDpi xmlns:a14="http://schemas.microsoft.com/office/drawing/2010/main" val="0"/>
+              </a:ext>
+            </a:extLst>
+          </a:blip>
+          <a:stretch>
+            <a:fillRect/>
+          </a:stretch>
+        </p:blipFill>
+        <p:spPr>
+          <a:xfrm>
+            <a:off x="2375447" y="987827"/>
+            <a:ext cx="5200441" cy="5498035"/>
+          </a:xfrm>
+          <a:prstGeom prst="rect">
+            <a:avLst/>
+          </a:prstGeom>
+        </p:spPr>
+      </p:pic>
+    </p:spTree>
+    <p:extLst>
+      <p:ext uri="{BB962C8B-B14F-4D97-AF65-F5344CB8AC3E}">
+        <p14:creationId xmlns:p14="http://schemas.microsoft.com/office/powerpoint/2010/main" val="2776806343"/>
+      </p:ext>
+    </p:extLst>
+  </p:cSld>
+  <p:clrMapOvr>
+    <a:masterClrMapping/>
+  </p:clrMapOvr>
+</p:sld>
+</file>
+
 <file path=ppt/slides/slide3.xml><?xml version="1.0" encoding="utf-8"?>
 <p:sld xmlns:a="http://schemas.openxmlformats.org/drawingml/2006/main" xmlns:r="http://schemas.openxmlformats.org/officeDocument/2006/relationships" xmlns:p="http://schemas.openxmlformats.org/presentationml/2006/main">
   <p:cSld>
@@ -22917,6 +24067,1400 @@
     <p:extLst>
       <p:ext uri="{BB962C8B-B14F-4D97-AF65-F5344CB8AC3E}">
         <p14:creationId xmlns:p14="http://schemas.microsoft.com/office/powerpoint/2010/main" val="1049085426"/>
+      </p:ext>
+    </p:extLst>
+  </p:cSld>
+  <p:clrMapOvr>
+    <a:masterClrMapping/>
+  </p:clrMapOvr>
+</p:sld>
+</file>
+
+<file path=ppt/slides/slide30.xml><?xml version="1.0" encoding="utf-8"?>
+<p:sld xmlns:a="http://schemas.openxmlformats.org/drawingml/2006/main" xmlns:r="http://schemas.openxmlformats.org/officeDocument/2006/relationships" xmlns:p="http://schemas.openxmlformats.org/presentationml/2006/main">
+  <p:cSld>
+    <p:spTree>
+      <p:nvGrpSpPr>
+        <p:cNvPr id="1" name=""/>
+        <p:cNvGrpSpPr/>
+        <p:nvPr/>
+      </p:nvGrpSpPr>
+      <p:grpSpPr>
+        <a:xfrm>
+          <a:off x="0" y="0"/>
+          <a:ext cx="0" cy="0"/>
+          <a:chOff x="0" y="0"/>
+          <a:chExt cx="0" cy="0"/>
+        </a:xfrm>
+      </p:grpSpPr>
+      <p:sp>
+        <p:nvSpPr>
+          <p:cNvPr id="2" name="Titolo 1">
+            <a:extLst>
+              <a:ext uri="{FF2B5EF4-FFF2-40B4-BE49-F238E27FC236}">
+                <a16:creationId xmlns:a16="http://schemas.microsoft.com/office/drawing/2014/main" id="{5521AAD3-9A4F-F422-F6DD-92175262F270}"/>
+              </a:ext>
+            </a:extLst>
+          </p:cNvPr>
+          <p:cNvSpPr>
+            <a:spLocks noGrp="1"/>
+          </p:cNvSpPr>
+          <p:nvPr>
+            <p:ph type="title"/>
+          </p:nvPr>
+        </p:nvSpPr>
+        <p:spPr>
+          <a:xfrm>
+            <a:off x="677334" y="209550"/>
+            <a:ext cx="9650412" cy="1320800"/>
+          </a:xfrm>
+        </p:spPr>
+        <p:txBody>
+          <a:bodyPr/>
+          <a:lstStyle/>
+          <a:p>
+            <a:r>
+              <a:rPr lang="it-IT" dirty="0" err="1">
+                <a:latin typeface="Times New Roman" panose="02020603050405020304" pitchFamily="18" charset="0"/>
+                <a:cs typeface="Times New Roman" panose="02020603050405020304" pitchFamily="18" charset="0"/>
+              </a:rPr>
+              <a:t>Sequence</a:t>
+            </a:r>
+            <a:r>
+              <a:rPr lang="it-IT" dirty="0">
+                <a:latin typeface="Times New Roman" panose="02020603050405020304" pitchFamily="18" charset="0"/>
+                <a:cs typeface="Times New Roman" panose="02020603050405020304" pitchFamily="18" charset="0"/>
+              </a:rPr>
+              <a:t> </a:t>
+            </a:r>
+            <a:r>
+              <a:rPr lang="it-IT" dirty="0" err="1">
+                <a:latin typeface="Times New Roman" panose="02020603050405020304" pitchFamily="18" charset="0"/>
+                <a:cs typeface="Times New Roman" panose="02020603050405020304" pitchFamily="18" charset="0"/>
+              </a:rPr>
+              <a:t>Diagram</a:t>
+            </a:r>
+            <a:r>
+              <a:rPr lang="it-IT" dirty="0">
+                <a:latin typeface="Times New Roman" panose="02020603050405020304" pitchFamily="18" charset="0"/>
+                <a:cs typeface="Times New Roman" panose="02020603050405020304" pitchFamily="18" charset="0"/>
+              </a:rPr>
+              <a:t> – Create </a:t>
+            </a:r>
+            <a:r>
+              <a:rPr lang="it-IT" dirty="0" err="1">
+                <a:latin typeface="Times New Roman" panose="02020603050405020304" pitchFamily="18" charset="0"/>
+                <a:cs typeface="Times New Roman" panose="02020603050405020304" pitchFamily="18" charset="0"/>
+              </a:rPr>
+              <a:t>Article</a:t>
+            </a:r>
+            <a:r>
+              <a:rPr lang="it-IT" dirty="0">
+                <a:latin typeface="Times New Roman" panose="02020603050405020304" pitchFamily="18" charset="0"/>
+                <a:cs typeface="Times New Roman" panose="02020603050405020304" pitchFamily="18" charset="0"/>
+              </a:rPr>
+              <a:t> (</a:t>
+            </a:r>
+            <a:r>
+              <a:rPr lang="it-IT" sz="3200" dirty="0" err="1">
+                <a:latin typeface="Times New Roman" panose="02020603050405020304" pitchFamily="18" charset="0"/>
+                <a:cs typeface="Times New Roman" panose="02020603050405020304" pitchFamily="18" charset="0"/>
+              </a:rPr>
+              <a:t>HTMLPure</a:t>
+            </a:r>
+            <a:r>
+              <a:rPr lang="it-IT" dirty="0">
+                <a:latin typeface="Times New Roman" panose="02020603050405020304" pitchFamily="18" charset="0"/>
+                <a:cs typeface="Times New Roman" panose="02020603050405020304" pitchFamily="18" charset="0"/>
+              </a:rPr>
+              <a:t>)</a:t>
+            </a:r>
+          </a:p>
+        </p:txBody>
+      </p:sp>
+      <p:sp>
+        <p:nvSpPr>
+          <p:cNvPr id="4" name="Segnaposto piè di pagina 3">
+            <a:extLst>
+              <a:ext uri="{FF2B5EF4-FFF2-40B4-BE49-F238E27FC236}">
+                <a16:creationId xmlns:a16="http://schemas.microsoft.com/office/drawing/2014/main" id="{0374F490-C1E2-0EF6-119C-49198F93C065}"/>
+              </a:ext>
+            </a:extLst>
+          </p:cNvPr>
+          <p:cNvSpPr>
+            <a:spLocks noGrp="1"/>
+          </p:cNvSpPr>
+          <p:nvPr>
+            <p:ph type="ftr" sz="quarter" idx="11"/>
+          </p:nvPr>
+        </p:nvSpPr>
+        <p:spPr/>
+        <p:txBody>
+          <a:bodyPr/>
+          <a:lstStyle/>
+          <a:p>
+            <a:r>
+              <a:rPr lang="en-US"/>
+              <a:t>Traccia 1 - Spangaro, Ferlin</a:t>
+            </a:r>
+            <a:endParaRPr lang="en-US" dirty="0"/>
+          </a:p>
+        </p:txBody>
+      </p:sp>
+      <p:sp>
+        <p:nvSpPr>
+          <p:cNvPr id="5" name="Segnaposto numero diapositiva 4">
+            <a:extLst>
+              <a:ext uri="{FF2B5EF4-FFF2-40B4-BE49-F238E27FC236}">
+                <a16:creationId xmlns:a16="http://schemas.microsoft.com/office/drawing/2014/main" id="{3BFF140B-ED7B-F435-0A5C-3EEB27F75A1B}"/>
+              </a:ext>
+            </a:extLst>
+          </p:cNvPr>
+          <p:cNvSpPr>
+            <a:spLocks noGrp="1"/>
+          </p:cNvSpPr>
+          <p:nvPr>
+            <p:ph type="sldNum" sz="quarter" idx="12"/>
+          </p:nvPr>
+        </p:nvSpPr>
+        <p:spPr/>
+        <p:txBody>
+          <a:bodyPr/>
+          <a:lstStyle/>
+          <a:p>
+            <a:fld id="{BD8A8A1B-4E1E-43EF-8A39-7D4A3879B941}" type="slidenum">
+              <a:rPr lang="en-US" smtClean="0"/>
+              <a:pPr/>
+              <a:t>30</a:t>
+            </a:fld>
+            <a:endParaRPr lang="en-US" dirty="0"/>
+          </a:p>
+        </p:txBody>
+      </p:sp>
+      <p:pic>
+        <p:nvPicPr>
+          <p:cNvPr id="12" name="Segnaposto contenuto 11">
+            <a:extLst>
+              <a:ext uri="{FF2B5EF4-FFF2-40B4-BE49-F238E27FC236}">
+                <a16:creationId xmlns:a16="http://schemas.microsoft.com/office/drawing/2014/main" id="{C05E1BDF-357B-EF9E-AEE9-B71AEB1388B7}"/>
+              </a:ext>
+            </a:extLst>
+          </p:cNvPr>
+          <p:cNvPicPr>
+            <a:picLocks noGrp="1" noChangeAspect="1"/>
+          </p:cNvPicPr>
+          <p:nvPr>
+            <p:ph idx="1"/>
+          </p:nvPr>
+        </p:nvPicPr>
+        <p:blipFill>
+          <a:blip r:embed="rId2">
+            <a:extLst>
+              <a:ext uri="{28A0092B-C50C-407E-A947-70E740481C1C}">
+                <a14:useLocalDpi xmlns:a14="http://schemas.microsoft.com/office/drawing/2010/main" val="0"/>
+              </a:ext>
+            </a:extLst>
+          </a:blip>
+          <a:stretch>
+            <a:fillRect/>
+          </a:stretch>
+        </p:blipFill>
+        <p:spPr>
+          <a:xfrm>
+            <a:off x="506856" y="1194594"/>
+            <a:ext cx="9650412" cy="4825206"/>
+          </a:xfrm>
+          <a:prstGeom prst="rect">
+            <a:avLst/>
+          </a:prstGeom>
+        </p:spPr>
+      </p:pic>
+    </p:spTree>
+    <p:extLst>
+      <p:ext uri="{BB962C8B-B14F-4D97-AF65-F5344CB8AC3E}">
+        <p14:creationId xmlns:p14="http://schemas.microsoft.com/office/powerpoint/2010/main" val="3398838508"/>
+      </p:ext>
+    </p:extLst>
+  </p:cSld>
+  <p:clrMapOvr>
+    <a:masterClrMapping/>
+  </p:clrMapOvr>
+</p:sld>
+</file>
+
+<file path=ppt/slides/slide31.xml><?xml version="1.0" encoding="utf-8"?>
+<p:sld xmlns:a="http://schemas.openxmlformats.org/drawingml/2006/main" xmlns:r="http://schemas.openxmlformats.org/officeDocument/2006/relationships" xmlns:p="http://schemas.openxmlformats.org/presentationml/2006/main">
+  <p:cSld>
+    <p:spTree>
+      <p:nvGrpSpPr>
+        <p:cNvPr id="1" name=""/>
+        <p:cNvGrpSpPr/>
+        <p:nvPr/>
+      </p:nvGrpSpPr>
+      <p:grpSpPr>
+        <a:xfrm>
+          <a:off x="0" y="0"/>
+          <a:ext cx="0" cy="0"/>
+          <a:chOff x="0" y="0"/>
+          <a:chExt cx="0" cy="0"/>
+        </a:xfrm>
+      </p:grpSpPr>
+      <p:sp>
+        <p:nvSpPr>
+          <p:cNvPr id="2" name="Titolo 1">
+            <a:extLst>
+              <a:ext uri="{FF2B5EF4-FFF2-40B4-BE49-F238E27FC236}">
+                <a16:creationId xmlns:a16="http://schemas.microsoft.com/office/drawing/2014/main" id="{295C77D2-71BE-F49B-41BD-431B505B753E}"/>
+              </a:ext>
+            </a:extLst>
+          </p:cNvPr>
+          <p:cNvSpPr>
+            <a:spLocks noGrp="1"/>
+          </p:cNvSpPr>
+          <p:nvPr>
+            <p:ph type="ctrTitle"/>
+          </p:nvPr>
+        </p:nvSpPr>
+        <p:spPr/>
+        <p:txBody>
+          <a:bodyPr/>
+          <a:lstStyle/>
+          <a:p>
+            <a:r>
+              <a:rPr lang="it-IT" dirty="0" err="1">
+                <a:latin typeface="Times New Roman" panose="02020603050405020304" pitchFamily="18" charset="0"/>
+                <a:cs typeface="Times New Roman" panose="02020603050405020304" pitchFamily="18" charset="0"/>
+              </a:rPr>
+              <a:t>Sequence</a:t>
+            </a:r>
+            <a:r>
+              <a:rPr lang="it-IT" dirty="0">
+                <a:latin typeface="Times New Roman" panose="02020603050405020304" pitchFamily="18" charset="0"/>
+                <a:cs typeface="Times New Roman" panose="02020603050405020304" pitchFamily="18" charset="0"/>
+              </a:rPr>
+              <a:t> </a:t>
+            </a:r>
+            <a:r>
+              <a:rPr lang="it-IT" dirty="0" err="1">
+                <a:latin typeface="Times New Roman" panose="02020603050405020304" pitchFamily="18" charset="0"/>
+                <a:cs typeface="Times New Roman" panose="02020603050405020304" pitchFamily="18" charset="0"/>
+              </a:rPr>
+              <a:t>diagram</a:t>
+            </a:r>
+            <a:br>
+              <a:rPr lang="it-IT" dirty="0">
+                <a:latin typeface="Times New Roman" panose="02020603050405020304" pitchFamily="18" charset="0"/>
+                <a:cs typeface="Times New Roman" panose="02020603050405020304" pitchFamily="18" charset="0"/>
+              </a:rPr>
+            </a:br>
+            <a:r>
+              <a:rPr lang="it-IT" b="1" dirty="0">
+                <a:latin typeface="Times New Roman" panose="02020603050405020304" pitchFamily="18" charset="0"/>
+                <a:cs typeface="Times New Roman" panose="02020603050405020304" pitchFamily="18" charset="0"/>
+              </a:rPr>
+              <a:t>RIA</a:t>
+            </a:r>
+          </a:p>
+        </p:txBody>
+      </p:sp>
+    </p:spTree>
+    <p:extLst>
+      <p:ext uri="{BB962C8B-B14F-4D97-AF65-F5344CB8AC3E}">
+        <p14:creationId xmlns:p14="http://schemas.microsoft.com/office/powerpoint/2010/main" val="4125076183"/>
+      </p:ext>
+    </p:extLst>
+  </p:cSld>
+  <p:clrMapOvr>
+    <a:masterClrMapping/>
+  </p:clrMapOvr>
+</p:sld>
+</file>
+
+<file path=ppt/slides/slide32.xml><?xml version="1.0" encoding="utf-8"?>
+<p:sld xmlns:a="http://schemas.openxmlformats.org/drawingml/2006/main" xmlns:r="http://schemas.openxmlformats.org/officeDocument/2006/relationships" xmlns:p="http://schemas.openxmlformats.org/presentationml/2006/main">
+  <p:cSld>
+    <p:spTree>
+      <p:nvGrpSpPr>
+        <p:cNvPr id="1" name=""/>
+        <p:cNvGrpSpPr/>
+        <p:nvPr/>
+      </p:nvGrpSpPr>
+      <p:grpSpPr>
+        <a:xfrm>
+          <a:off x="0" y="0"/>
+          <a:ext cx="0" cy="0"/>
+          <a:chOff x="0" y="0"/>
+          <a:chExt cx="0" cy="0"/>
+        </a:xfrm>
+      </p:grpSpPr>
+      <p:sp>
+        <p:nvSpPr>
+          <p:cNvPr id="2" name="Titolo 1">
+            <a:extLst>
+              <a:ext uri="{FF2B5EF4-FFF2-40B4-BE49-F238E27FC236}">
+                <a16:creationId xmlns:a16="http://schemas.microsoft.com/office/drawing/2014/main" id="{5521AAD3-9A4F-F422-F6DD-92175262F270}"/>
+              </a:ext>
+            </a:extLst>
+          </p:cNvPr>
+          <p:cNvSpPr>
+            <a:spLocks noGrp="1"/>
+          </p:cNvSpPr>
+          <p:nvPr>
+            <p:ph type="title"/>
+          </p:nvPr>
+        </p:nvSpPr>
+        <p:spPr>
+          <a:xfrm>
+            <a:off x="677334" y="209550"/>
+            <a:ext cx="8596668" cy="1320800"/>
+          </a:xfrm>
+        </p:spPr>
+        <p:txBody>
+          <a:bodyPr/>
+          <a:lstStyle/>
+          <a:p>
+            <a:r>
+              <a:rPr lang="it-IT" dirty="0" err="1">
+                <a:latin typeface="Times New Roman" panose="02020603050405020304" pitchFamily="18" charset="0"/>
+                <a:cs typeface="Times New Roman" panose="02020603050405020304" pitchFamily="18" charset="0"/>
+              </a:rPr>
+              <a:t>Sequence</a:t>
+            </a:r>
+            <a:r>
+              <a:rPr lang="it-IT" dirty="0">
+                <a:latin typeface="Times New Roman" panose="02020603050405020304" pitchFamily="18" charset="0"/>
+                <a:cs typeface="Times New Roman" panose="02020603050405020304" pitchFamily="18" charset="0"/>
+              </a:rPr>
+              <a:t> </a:t>
+            </a:r>
+            <a:r>
+              <a:rPr lang="it-IT" dirty="0" err="1">
+                <a:latin typeface="Times New Roman" panose="02020603050405020304" pitchFamily="18" charset="0"/>
+                <a:cs typeface="Times New Roman" panose="02020603050405020304" pitchFamily="18" charset="0"/>
+              </a:rPr>
+              <a:t>Diagram</a:t>
+            </a:r>
+            <a:r>
+              <a:rPr lang="it-IT" dirty="0">
+                <a:latin typeface="Times New Roman" panose="02020603050405020304" pitchFamily="18" charset="0"/>
+                <a:cs typeface="Times New Roman" panose="02020603050405020304" pitchFamily="18" charset="0"/>
+              </a:rPr>
+              <a:t> – Login (RIA)</a:t>
+            </a:r>
+          </a:p>
+        </p:txBody>
+      </p:sp>
+      <p:sp>
+        <p:nvSpPr>
+          <p:cNvPr id="4" name="Segnaposto piè di pagina 3">
+            <a:extLst>
+              <a:ext uri="{FF2B5EF4-FFF2-40B4-BE49-F238E27FC236}">
+                <a16:creationId xmlns:a16="http://schemas.microsoft.com/office/drawing/2014/main" id="{0374F490-C1E2-0EF6-119C-49198F93C065}"/>
+              </a:ext>
+            </a:extLst>
+          </p:cNvPr>
+          <p:cNvSpPr>
+            <a:spLocks noGrp="1"/>
+          </p:cNvSpPr>
+          <p:nvPr>
+            <p:ph type="ftr" sz="quarter" idx="11"/>
+          </p:nvPr>
+        </p:nvSpPr>
+        <p:spPr/>
+        <p:txBody>
+          <a:bodyPr/>
+          <a:lstStyle/>
+          <a:p>
+            <a:r>
+              <a:rPr lang="en-US"/>
+              <a:t>Traccia 1 - Spangaro, Ferlin</a:t>
+            </a:r>
+            <a:endParaRPr lang="en-US" dirty="0"/>
+          </a:p>
+        </p:txBody>
+      </p:sp>
+      <p:sp>
+        <p:nvSpPr>
+          <p:cNvPr id="5" name="Segnaposto numero diapositiva 4">
+            <a:extLst>
+              <a:ext uri="{FF2B5EF4-FFF2-40B4-BE49-F238E27FC236}">
+                <a16:creationId xmlns:a16="http://schemas.microsoft.com/office/drawing/2014/main" id="{3BFF140B-ED7B-F435-0A5C-3EEB27F75A1B}"/>
+              </a:ext>
+            </a:extLst>
+          </p:cNvPr>
+          <p:cNvSpPr>
+            <a:spLocks noGrp="1"/>
+          </p:cNvSpPr>
+          <p:nvPr>
+            <p:ph type="sldNum" sz="quarter" idx="12"/>
+          </p:nvPr>
+        </p:nvSpPr>
+        <p:spPr/>
+        <p:txBody>
+          <a:bodyPr/>
+          <a:lstStyle/>
+          <a:p>
+            <a:fld id="{BD8A8A1B-4E1E-43EF-8A39-7D4A3879B941}" type="slidenum">
+              <a:rPr lang="en-US" smtClean="0"/>
+              <a:pPr/>
+              <a:t>32</a:t>
+            </a:fld>
+            <a:endParaRPr lang="en-US" dirty="0"/>
+          </a:p>
+        </p:txBody>
+      </p:sp>
+      <p:pic>
+        <p:nvPicPr>
+          <p:cNvPr id="8" name="Segnaposto contenuto 7">
+            <a:extLst>
+              <a:ext uri="{FF2B5EF4-FFF2-40B4-BE49-F238E27FC236}">
+                <a16:creationId xmlns:a16="http://schemas.microsoft.com/office/drawing/2014/main" id="{A9CD1B40-F718-B0EE-54AD-1F47D551659A}"/>
+              </a:ext>
+            </a:extLst>
+          </p:cNvPr>
+          <p:cNvPicPr>
+            <a:picLocks noGrp="1" noChangeAspect="1"/>
+          </p:cNvPicPr>
+          <p:nvPr>
+            <p:ph idx="1"/>
+          </p:nvPr>
+        </p:nvPicPr>
+        <p:blipFill>
+          <a:blip r:embed="rId2">
+            <a:extLst>
+              <a:ext uri="{28A0092B-C50C-407E-A947-70E740481C1C}">
+                <a14:useLocalDpi xmlns:a14="http://schemas.microsoft.com/office/drawing/2010/main" val="0"/>
+              </a:ext>
+            </a:extLst>
+          </a:blip>
+          <a:srcRect/>
+          <a:stretch/>
+        </p:blipFill>
+        <p:spPr>
+          <a:xfrm>
+            <a:off x="982755" y="1368539"/>
+            <a:ext cx="10226489" cy="4157865"/>
+          </a:xfrm>
+        </p:spPr>
+      </p:pic>
+    </p:spTree>
+    <p:extLst>
+      <p:ext uri="{BB962C8B-B14F-4D97-AF65-F5344CB8AC3E}">
+        <p14:creationId xmlns:p14="http://schemas.microsoft.com/office/powerpoint/2010/main" val="2073654385"/>
+      </p:ext>
+    </p:extLst>
+  </p:cSld>
+  <p:clrMapOvr>
+    <a:masterClrMapping/>
+  </p:clrMapOvr>
+</p:sld>
+</file>
+
+<file path=ppt/slides/slide33.xml><?xml version="1.0" encoding="utf-8"?>
+<p:sld xmlns:a="http://schemas.openxmlformats.org/drawingml/2006/main" xmlns:r="http://schemas.openxmlformats.org/officeDocument/2006/relationships" xmlns:p="http://schemas.openxmlformats.org/presentationml/2006/main">
+  <p:cSld>
+    <p:spTree>
+      <p:nvGrpSpPr>
+        <p:cNvPr id="1" name=""/>
+        <p:cNvGrpSpPr/>
+        <p:nvPr/>
+      </p:nvGrpSpPr>
+      <p:grpSpPr>
+        <a:xfrm>
+          <a:off x="0" y="0"/>
+          <a:ext cx="0" cy="0"/>
+          <a:chOff x="0" y="0"/>
+          <a:chExt cx="0" cy="0"/>
+        </a:xfrm>
+      </p:grpSpPr>
+      <p:sp>
+        <p:nvSpPr>
+          <p:cNvPr id="2" name="Titolo 1">
+            <a:extLst>
+              <a:ext uri="{FF2B5EF4-FFF2-40B4-BE49-F238E27FC236}">
+                <a16:creationId xmlns:a16="http://schemas.microsoft.com/office/drawing/2014/main" id="{5521AAD3-9A4F-F422-F6DD-92175262F270}"/>
+              </a:ext>
+            </a:extLst>
+          </p:cNvPr>
+          <p:cNvSpPr>
+            <a:spLocks noGrp="1"/>
+          </p:cNvSpPr>
+          <p:nvPr>
+            <p:ph type="title"/>
+          </p:nvPr>
+        </p:nvSpPr>
+        <p:spPr>
+          <a:xfrm>
+            <a:off x="677333" y="209550"/>
+            <a:ext cx="9039321" cy="1320800"/>
+          </a:xfrm>
+        </p:spPr>
+        <p:txBody>
+          <a:bodyPr/>
+          <a:lstStyle/>
+          <a:p>
+            <a:r>
+              <a:rPr lang="it-IT" dirty="0" err="1">
+                <a:latin typeface="Times New Roman" panose="02020603050405020304" pitchFamily="18" charset="0"/>
+                <a:cs typeface="Times New Roman" panose="02020603050405020304" pitchFamily="18" charset="0"/>
+              </a:rPr>
+              <a:t>Sequence</a:t>
+            </a:r>
+            <a:r>
+              <a:rPr lang="it-IT" dirty="0">
+                <a:latin typeface="Times New Roman" panose="02020603050405020304" pitchFamily="18" charset="0"/>
+                <a:cs typeface="Times New Roman" panose="02020603050405020304" pitchFamily="18" charset="0"/>
+              </a:rPr>
+              <a:t> </a:t>
+            </a:r>
+            <a:r>
+              <a:rPr lang="it-IT" dirty="0" err="1">
+                <a:latin typeface="Times New Roman" panose="02020603050405020304" pitchFamily="18" charset="0"/>
+                <a:cs typeface="Times New Roman" panose="02020603050405020304" pitchFamily="18" charset="0"/>
+              </a:rPr>
+              <a:t>Diagram</a:t>
+            </a:r>
+            <a:r>
+              <a:rPr lang="it-IT" dirty="0">
+                <a:latin typeface="Times New Roman" panose="02020603050405020304" pitchFamily="18" charset="0"/>
+                <a:cs typeface="Times New Roman" panose="02020603050405020304" pitchFamily="18" charset="0"/>
+              </a:rPr>
+              <a:t> – </a:t>
+            </a:r>
+            <a:r>
+              <a:rPr lang="it-IT" dirty="0" err="1">
+                <a:latin typeface="Times New Roman" panose="02020603050405020304" pitchFamily="18" charset="0"/>
+                <a:cs typeface="Times New Roman" panose="02020603050405020304" pitchFamily="18" charset="0"/>
+              </a:rPr>
+              <a:t>LoginApiFilter</a:t>
+            </a:r>
+            <a:r>
+              <a:rPr lang="it-IT" dirty="0">
+                <a:latin typeface="Times New Roman" panose="02020603050405020304" pitchFamily="18" charset="0"/>
+                <a:cs typeface="Times New Roman" panose="02020603050405020304" pitchFamily="18" charset="0"/>
+              </a:rPr>
+              <a:t> (RIA)</a:t>
+            </a:r>
+          </a:p>
+        </p:txBody>
+      </p:sp>
+      <p:sp>
+        <p:nvSpPr>
+          <p:cNvPr id="4" name="Segnaposto piè di pagina 3">
+            <a:extLst>
+              <a:ext uri="{FF2B5EF4-FFF2-40B4-BE49-F238E27FC236}">
+                <a16:creationId xmlns:a16="http://schemas.microsoft.com/office/drawing/2014/main" id="{0374F490-C1E2-0EF6-119C-49198F93C065}"/>
+              </a:ext>
+            </a:extLst>
+          </p:cNvPr>
+          <p:cNvSpPr>
+            <a:spLocks noGrp="1"/>
+          </p:cNvSpPr>
+          <p:nvPr>
+            <p:ph type="ftr" sz="quarter" idx="11"/>
+          </p:nvPr>
+        </p:nvSpPr>
+        <p:spPr/>
+        <p:txBody>
+          <a:bodyPr/>
+          <a:lstStyle/>
+          <a:p>
+            <a:r>
+              <a:rPr lang="en-US"/>
+              <a:t>Traccia 1 - Spangaro, Ferlin</a:t>
+            </a:r>
+            <a:endParaRPr lang="en-US" dirty="0"/>
+          </a:p>
+        </p:txBody>
+      </p:sp>
+      <p:sp>
+        <p:nvSpPr>
+          <p:cNvPr id="5" name="Segnaposto numero diapositiva 4">
+            <a:extLst>
+              <a:ext uri="{FF2B5EF4-FFF2-40B4-BE49-F238E27FC236}">
+                <a16:creationId xmlns:a16="http://schemas.microsoft.com/office/drawing/2014/main" id="{3BFF140B-ED7B-F435-0A5C-3EEB27F75A1B}"/>
+              </a:ext>
+            </a:extLst>
+          </p:cNvPr>
+          <p:cNvSpPr>
+            <a:spLocks noGrp="1"/>
+          </p:cNvSpPr>
+          <p:nvPr>
+            <p:ph type="sldNum" sz="quarter" idx="12"/>
+          </p:nvPr>
+        </p:nvSpPr>
+        <p:spPr/>
+        <p:txBody>
+          <a:bodyPr/>
+          <a:lstStyle/>
+          <a:p>
+            <a:fld id="{BD8A8A1B-4E1E-43EF-8A39-7D4A3879B941}" type="slidenum">
+              <a:rPr lang="en-US" smtClean="0"/>
+              <a:pPr/>
+              <a:t>33</a:t>
+            </a:fld>
+            <a:endParaRPr lang="en-US" dirty="0"/>
+          </a:p>
+        </p:txBody>
+      </p:sp>
+      <p:pic>
+        <p:nvPicPr>
+          <p:cNvPr id="8" name="Segnaposto contenuto 7">
+            <a:extLst>
+              <a:ext uri="{FF2B5EF4-FFF2-40B4-BE49-F238E27FC236}">
+                <a16:creationId xmlns:a16="http://schemas.microsoft.com/office/drawing/2014/main" id="{4B97EA34-4992-23F7-4C53-BF986435EEC7}"/>
+              </a:ext>
+            </a:extLst>
+          </p:cNvPr>
+          <p:cNvPicPr>
+            <a:picLocks noGrp="1" noChangeAspect="1"/>
+          </p:cNvPicPr>
+          <p:nvPr>
+            <p:ph idx="1"/>
+          </p:nvPr>
+        </p:nvPicPr>
+        <p:blipFill>
+          <a:blip r:embed="rId2">
+            <a:extLst>
+              <a:ext uri="{28A0092B-C50C-407E-A947-70E740481C1C}">
+                <a14:useLocalDpi xmlns:a14="http://schemas.microsoft.com/office/drawing/2010/main" val="0"/>
+              </a:ext>
+            </a:extLst>
+          </a:blip>
+          <a:srcRect/>
+          <a:stretch/>
+        </p:blipFill>
+        <p:spPr>
+          <a:xfrm>
+            <a:off x="1415236" y="1292369"/>
+            <a:ext cx="8009095" cy="4434175"/>
+          </a:xfrm>
+        </p:spPr>
+      </p:pic>
+    </p:spTree>
+    <p:extLst>
+      <p:ext uri="{BB962C8B-B14F-4D97-AF65-F5344CB8AC3E}">
+        <p14:creationId xmlns:p14="http://schemas.microsoft.com/office/powerpoint/2010/main" val="1512171988"/>
+      </p:ext>
+    </p:extLst>
+  </p:cSld>
+  <p:clrMapOvr>
+    <a:masterClrMapping/>
+  </p:clrMapOvr>
+</p:sld>
+</file>
+
+<file path=ppt/slides/slide34.xml><?xml version="1.0" encoding="utf-8"?>
+<p:sld xmlns:a="http://schemas.openxmlformats.org/drawingml/2006/main" xmlns:r="http://schemas.openxmlformats.org/officeDocument/2006/relationships" xmlns:p="http://schemas.openxmlformats.org/presentationml/2006/main">
+  <p:cSld>
+    <p:spTree>
+      <p:nvGrpSpPr>
+        <p:cNvPr id="1" name=""/>
+        <p:cNvGrpSpPr/>
+        <p:nvPr/>
+      </p:nvGrpSpPr>
+      <p:grpSpPr>
+        <a:xfrm>
+          <a:off x="0" y="0"/>
+          <a:ext cx="0" cy="0"/>
+          <a:chOff x="0" y="0"/>
+          <a:chExt cx="0" cy="0"/>
+        </a:xfrm>
+      </p:grpSpPr>
+      <p:sp>
+        <p:nvSpPr>
+          <p:cNvPr id="2" name="Titolo 1">
+            <a:extLst>
+              <a:ext uri="{FF2B5EF4-FFF2-40B4-BE49-F238E27FC236}">
+                <a16:creationId xmlns:a16="http://schemas.microsoft.com/office/drawing/2014/main" id="{5521AAD3-9A4F-F422-F6DD-92175262F270}"/>
+              </a:ext>
+            </a:extLst>
+          </p:cNvPr>
+          <p:cNvSpPr>
+            <a:spLocks noGrp="1"/>
+          </p:cNvSpPr>
+          <p:nvPr>
+            <p:ph type="title"/>
+          </p:nvPr>
+        </p:nvSpPr>
+        <p:spPr>
+          <a:xfrm>
+            <a:off x="677334" y="209550"/>
+            <a:ext cx="8596668" cy="1320800"/>
+          </a:xfrm>
+        </p:spPr>
+        <p:txBody>
+          <a:bodyPr/>
+          <a:lstStyle/>
+          <a:p>
+            <a:r>
+              <a:rPr lang="it-IT" dirty="0" err="1">
+                <a:latin typeface="Times New Roman" panose="02020603050405020304" pitchFamily="18" charset="0"/>
+                <a:cs typeface="Times New Roman" panose="02020603050405020304" pitchFamily="18" charset="0"/>
+              </a:rPr>
+              <a:t>Sequence</a:t>
+            </a:r>
+            <a:r>
+              <a:rPr lang="it-IT" dirty="0">
+                <a:latin typeface="Times New Roman" panose="02020603050405020304" pitchFamily="18" charset="0"/>
+                <a:cs typeface="Times New Roman" panose="02020603050405020304" pitchFamily="18" charset="0"/>
+              </a:rPr>
+              <a:t> </a:t>
+            </a:r>
+            <a:r>
+              <a:rPr lang="it-IT" dirty="0" err="1">
+                <a:latin typeface="Times New Roman" panose="02020603050405020304" pitchFamily="18" charset="0"/>
+                <a:cs typeface="Times New Roman" panose="02020603050405020304" pitchFamily="18" charset="0"/>
+              </a:rPr>
+              <a:t>Diagram</a:t>
+            </a:r>
+            <a:r>
+              <a:rPr lang="it-IT" dirty="0">
+                <a:latin typeface="Times New Roman" panose="02020603050405020304" pitchFamily="18" charset="0"/>
+                <a:cs typeface="Times New Roman" panose="02020603050405020304" pitchFamily="18" charset="0"/>
+              </a:rPr>
+              <a:t> – </a:t>
+            </a:r>
+            <a:r>
+              <a:rPr lang="it-IT" dirty="0" err="1">
+                <a:latin typeface="Times New Roman" panose="02020603050405020304" pitchFamily="18" charset="0"/>
+                <a:cs typeface="Times New Roman" panose="02020603050405020304" pitchFamily="18" charset="0"/>
+              </a:rPr>
+              <a:t>BuyPage</a:t>
+            </a:r>
+            <a:r>
+              <a:rPr lang="it-IT" dirty="0">
+                <a:latin typeface="Times New Roman" panose="02020603050405020304" pitchFamily="18" charset="0"/>
+                <a:cs typeface="Times New Roman" panose="02020603050405020304" pitchFamily="18" charset="0"/>
+              </a:rPr>
+              <a:t> (RIA) 1/2</a:t>
+            </a:r>
+          </a:p>
+        </p:txBody>
+      </p:sp>
+      <p:sp>
+        <p:nvSpPr>
+          <p:cNvPr id="4" name="Segnaposto piè di pagina 3">
+            <a:extLst>
+              <a:ext uri="{FF2B5EF4-FFF2-40B4-BE49-F238E27FC236}">
+                <a16:creationId xmlns:a16="http://schemas.microsoft.com/office/drawing/2014/main" id="{0374F490-C1E2-0EF6-119C-49198F93C065}"/>
+              </a:ext>
+            </a:extLst>
+          </p:cNvPr>
+          <p:cNvSpPr>
+            <a:spLocks noGrp="1"/>
+          </p:cNvSpPr>
+          <p:nvPr>
+            <p:ph type="ftr" sz="quarter" idx="11"/>
+          </p:nvPr>
+        </p:nvSpPr>
+        <p:spPr/>
+        <p:txBody>
+          <a:bodyPr/>
+          <a:lstStyle/>
+          <a:p>
+            <a:r>
+              <a:rPr lang="en-US"/>
+              <a:t>Traccia 1 - Spangaro, Ferlin</a:t>
+            </a:r>
+            <a:endParaRPr lang="en-US" dirty="0"/>
+          </a:p>
+        </p:txBody>
+      </p:sp>
+      <p:sp>
+        <p:nvSpPr>
+          <p:cNvPr id="5" name="Segnaposto numero diapositiva 4">
+            <a:extLst>
+              <a:ext uri="{FF2B5EF4-FFF2-40B4-BE49-F238E27FC236}">
+                <a16:creationId xmlns:a16="http://schemas.microsoft.com/office/drawing/2014/main" id="{3BFF140B-ED7B-F435-0A5C-3EEB27F75A1B}"/>
+              </a:ext>
+            </a:extLst>
+          </p:cNvPr>
+          <p:cNvSpPr>
+            <a:spLocks noGrp="1"/>
+          </p:cNvSpPr>
+          <p:nvPr>
+            <p:ph type="sldNum" sz="quarter" idx="12"/>
+          </p:nvPr>
+        </p:nvSpPr>
+        <p:spPr/>
+        <p:txBody>
+          <a:bodyPr/>
+          <a:lstStyle/>
+          <a:p>
+            <a:fld id="{BD8A8A1B-4E1E-43EF-8A39-7D4A3879B941}" type="slidenum">
+              <a:rPr lang="en-US" smtClean="0"/>
+              <a:pPr/>
+              <a:t>34</a:t>
+            </a:fld>
+            <a:endParaRPr lang="en-US" dirty="0"/>
+          </a:p>
+        </p:txBody>
+      </p:sp>
+      <p:pic>
+        <p:nvPicPr>
+          <p:cNvPr id="8" name="Segnaposto contenuto 7">
+            <a:extLst>
+              <a:ext uri="{FF2B5EF4-FFF2-40B4-BE49-F238E27FC236}">
+                <a16:creationId xmlns:a16="http://schemas.microsoft.com/office/drawing/2014/main" id="{52ED69EB-E2A3-CC2A-3AF5-A6F9F67AD90A}"/>
+              </a:ext>
+            </a:extLst>
+          </p:cNvPr>
+          <p:cNvPicPr>
+            <a:picLocks noGrp="1" noChangeAspect="1"/>
+          </p:cNvPicPr>
+          <p:nvPr>
+            <p:ph idx="1"/>
+          </p:nvPr>
+        </p:nvPicPr>
+        <p:blipFill rotWithShape="1">
+          <a:blip r:embed="rId2">
+            <a:extLst>
+              <a:ext uri="{28A0092B-C50C-407E-A947-70E740481C1C}">
+                <a14:useLocalDpi xmlns:a14="http://schemas.microsoft.com/office/drawing/2010/main" val="0"/>
+              </a:ext>
+            </a:extLst>
+          </a:blip>
+          <a:srcRect b="49680"/>
+          <a:stretch/>
+        </p:blipFill>
+        <p:spPr>
+          <a:xfrm>
+            <a:off x="310880" y="1394619"/>
+            <a:ext cx="11570239" cy="4068761"/>
+          </a:xfrm>
+        </p:spPr>
+      </p:pic>
+    </p:spTree>
+    <p:extLst>
+      <p:ext uri="{BB962C8B-B14F-4D97-AF65-F5344CB8AC3E}">
+        <p14:creationId xmlns:p14="http://schemas.microsoft.com/office/powerpoint/2010/main" val="397172858"/>
+      </p:ext>
+    </p:extLst>
+  </p:cSld>
+  <p:clrMapOvr>
+    <a:masterClrMapping/>
+  </p:clrMapOvr>
+</p:sld>
+</file>
+
+<file path=ppt/slides/slide35.xml><?xml version="1.0" encoding="utf-8"?>
+<p:sld xmlns:a="http://schemas.openxmlformats.org/drawingml/2006/main" xmlns:r="http://schemas.openxmlformats.org/officeDocument/2006/relationships" xmlns:p="http://schemas.openxmlformats.org/presentationml/2006/main">
+  <p:cSld>
+    <p:spTree>
+      <p:nvGrpSpPr>
+        <p:cNvPr id="1" name=""/>
+        <p:cNvGrpSpPr/>
+        <p:nvPr/>
+      </p:nvGrpSpPr>
+      <p:grpSpPr>
+        <a:xfrm>
+          <a:off x="0" y="0"/>
+          <a:ext cx="0" cy="0"/>
+          <a:chOff x="0" y="0"/>
+          <a:chExt cx="0" cy="0"/>
+        </a:xfrm>
+      </p:grpSpPr>
+      <p:sp>
+        <p:nvSpPr>
+          <p:cNvPr id="2" name="Titolo 1">
+            <a:extLst>
+              <a:ext uri="{FF2B5EF4-FFF2-40B4-BE49-F238E27FC236}">
+                <a16:creationId xmlns:a16="http://schemas.microsoft.com/office/drawing/2014/main" id="{5521AAD3-9A4F-F422-F6DD-92175262F270}"/>
+              </a:ext>
+            </a:extLst>
+          </p:cNvPr>
+          <p:cNvSpPr>
+            <a:spLocks noGrp="1"/>
+          </p:cNvSpPr>
+          <p:nvPr>
+            <p:ph type="title"/>
+          </p:nvPr>
+        </p:nvSpPr>
+        <p:spPr>
+          <a:xfrm>
+            <a:off x="677334" y="209550"/>
+            <a:ext cx="8596668" cy="1320800"/>
+          </a:xfrm>
+        </p:spPr>
+        <p:txBody>
+          <a:bodyPr/>
+          <a:lstStyle/>
+          <a:p>
+            <a:r>
+              <a:rPr lang="it-IT" dirty="0" err="1">
+                <a:latin typeface="Times New Roman" panose="02020603050405020304" pitchFamily="18" charset="0"/>
+                <a:cs typeface="Times New Roman" panose="02020603050405020304" pitchFamily="18" charset="0"/>
+              </a:rPr>
+              <a:t>Sequence</a:t>
+            </a:r>
+            <a:r>
+              <a:rPr lang="it-IT" dirty="0">
+                <a:latin typeface="Times New Roman" panose="02020603050405020304" pitchFamily="18" charset="0"/>
+                <a:cs typeface="Times New Roman" panose="02020603050405020304" pitchFamily="18" charset="0"/>
+              </a:rPr>
+              <a:t> </a:t>
+            </a:r>
+            <a:r>
+              <a:rPr lang="it-IT" dirty="0" err="1">
+                <a:latin typeface="Times New Roman" panose="02020603050405020304" pitchFamily="18" charset="0"/>
+                <a:cs typeface="Times New Roman" panose="02020603050405020304" pitchFamily="18" charset="0"/>
+              </a:rPr>
+              <a:t>Diagram</a:t>
+            </a:r>
+            <a:r>
+              <a:rPr lang="it-IT" dirty="0">
+                <a:latin typeface="Times New Roman" panose="02020603050405020304" pitchFamily="18" charset="0"/>
+                <a:cs typeface="Times New Roman" panose="02020603050405020304" pitchFamily="18" charset="0"/>
+              </a:rPr>
+              <a:t> – </a:t>
+            </a:r>
+            <a:r>
+              <a:rPr lang="it-IT" dirty="0" err="1">
+                <a:latin typeface="Times New Roman" panose="02020603050405020304" pitchFamily="18" charset="0"/>
+                <a:cs typeface="Times New Roman" panose="02020603050405020304" pitchFamily="18" charset="0"/>
+              </a:rPr>
+              <a:t>BuyPage</a:t>
+            </a:r>
+            <a:r>
+              <a:rPr lang="it-IT" dirty="0">
+                <a:latin typeface="Times New Roman" panose="02020603050405020304" pitchFamily="18" charset="0"/>
+                <a:cs typeface="Times New Roman" panose="02020603050405020304" pitchFamily="18" charset="0"/>
+              </a:rPr>
+              <a:t> (RIA) 2/2</a:t>
+            </a:r>
+          </a:p>
+        </p:txBody>
+      </p:sp>
+      <p:sp>
+        <p:nvSpPr>
+          <p:cNvPr id="4" name="Segnaposto piè di pagina 3">
+            <a:extLst>
+              <a:ext uri="{FF2B5EF4-FFF2-40B4-BE49-F238E27FC236}">
+                <a16:creationId xmlns:a16="http://schemas.microsoft.com/office/drawing/2014/main" id="{0374F490-C1E2-0EF6-119C-49198F93C065}"/>
+              </a:ext>
+            </a:extLst>
+          </p:cNvPr>
+          <p:cNvSpPr>
+            <a:spLocks noGrp="1"/>
+          </p:cNvSpPr>
+          <p:nvPr>
+            <p:ph type="ftr" sz="quarter" idx="11"/>
+          </p:nvPr>
+        </p:nvSpPr>
+        <p:spPr/>
+        <p:txBody>
+          <a:bodyPr/>
+          <a:lstStyle/>
+          <a:p>
+            <a:r>
+              <a:rPr lang="en-US"/>
+              <a:t>Traccia 1 - Spangaro, Ferlin</a:t>
+            </a:r>
+            <a:endParaRPr lang="en-US" dirty="0"/>
+          </a:p>
+        </p:txBody>
+      </p:sp>
+      <p:sp>
+        <p:nvSpPr>
+          <p:cNvPr id="5" name="Segnaposto numero diapositiva 4">
+            <a:extLst>
+              <a:ext uri="{FF2B5EF4-FFF2-40B4-BE49-F238E27FC236}">
+                <a16:creationId xmlns:a16="http://schemas.microsoft.com/office/drawing/2014/main" id="{3BFF140B-ED7B-F435-0A5C-3EEB27F75A1B}"/>
+              </a:ext>
+            </a:extLst>
+          </p:cNvPr>
+          <p:cNvSpPr>
+            <a:spLocks noGrp="1"/>
+          </p:cNvSpPr>
+          <p:nvPr>
+            <p:ph type="sldNum" sz="quarter" idx="12"/>
+          </p:nvPr>
+        </p:nvSpPr>
+        <p:spPr/>
+        <p:txBody>
+          <a:bodyPr/>
+          <a:lstStyle/>
+          <a:p>
+            <a:fld id="{BD8A8A1B-4E1E-43EF-8A39-7D4A3879B941}" type="slidenum">
+              <a:rPr lang="en-US" smtClean="0"/>
+              <a:pPr/>
+              <a:t>35</a:t>
+            </a:fld>
+            <a:endParaRPr lang="en-US" dirty="0"/>
+          </a:p>
+        </p:txBody>
+      </p:sp>
+      <p:pic>
+        <p:nvPicPr>
+          <p:cNvPr id="8" name="Segnaposto contenuto 7">
+            <a:extLst>
+              <a:ext uri="{FF2B5EF4-FFF2-40B4-BE49-F238E27FC236}">
+                <a16:creationId xmlns:a16="http://schemas.microsoft.com/office/drawing/2014/main" id="{52ED69EB-E2A3-CC2A-3AF5-A6F9F67AD90A}"/>
+              </a:ext>
+            </a:extLst>
+          </p:cNvPr>
+          <p:cNvPicPr>
+            <a:picLocks noGrp="1" noChangeAspect="1"/>
+          </p:cNvPicPr>
+          <p:nvPr>
+            <p:ph idx="1"/>
+          </p:nvPr>
+        </p:nvPicPr>
+        <p:blipFill rotWithShape="1">
+          <a:blip r:embed="rId2">
+            <a:extLst>
+              <a:ext uri="{28A0092B-C50C-407E-A947-70E740481C1C}">
+                <a14:useLocalDpi xmlns:a14="http://schemas.microsoft.com/office/drawing/2010/main" val="0"/>
+              </a:ext>
+            </a:extLst>
+          </a:blip>
+          <a:srcRect t="50250" b="-265"/>
+          <a:stretch/>
+        </p:blipFill>
+        <p:spPr>
+          <a:xfrm>
+            <a:off x="310880" y="1406987"/>
+            <a:ext cx="11570239" cy="4044026"/>
+          </a:xfrm>
+        </p:spPr>
+      </p:pic>
+    </p:spTree>
+    <p:extLst>
+      <p:ext uri="{BB962C8B-B14F-4D97-AF65-F5344CB8AC3E}">
+        <p14:creationId xmlns:p14="http://schemas.microsoft.com/office/powerpoint/2010/main" val="3233203043"/>
+      </p:ext>
+    </p:extLst>
+  </p:cSld>
+  <p:clrMapOvr>
+    <a:masterClrMapping/>
+  </p:clrMapOvr>
+</p:sld>
+</file>
+
+<file path=ppt/slides/slide36.xml><?xml version="1.0" encoding="utf-8"?>
+<p:sld xmlns:a="http://schemas.openxmlformats.org/drawingml/2006/main" xmlns:r="http://schemas.openxmlformats.org/officeDocument/2006/relationships" xmlns:p="http://schemas.openxmlformats.org/presentationml/2006/main">
+  <p:cSld>
+    <p:spTree>
+      <p:nvGrpSpPr>
+        <p:cNvPr id="1" name=""/>
+        <p:cNvGrpSpPr/>
+        <p:nvPr/>
+      </p:nvGrpSpPr>
+      <p:grpSpPr>
+        <a:xfrm>
+          <a:off x="0" y="0"/>
+          <a:ext cx="0" cy="0"/>
+          <a:chOff x="0" y="0"/>
+          <a:chExt cx="0" cy="0"/>
+        </a:xfrm>
+      </p:grpSpPr>
+      <p:sp>
+        <p:nvSpPr>
+          <p:cNvPr id="2" name="Titolo 1">
+            <a:extLst>
+              <a:ext uri="{FF2B5EF4-FFF2-40B4-BE49-F238E27FC236}">
+                <a16:creationId xmlns:a16="http://schemas.microsoft.com/office/drawing/2014/main" id="{5521AAD3-9A4F-F422-F6DD-92175262F270}"/>
+              </a:ext>
+            </a:extLst>
+          </p:cNvPr>
+          <p:cNvSpPr>
+            <a:spLocks noGrp="1"/>
+          </p:cNvSpPr>
+          <p:nvPr>
+            <p:ph type="title"/>
+          </p:nvPr>
+        </p:nvSpPr>
+        <p:spPr>
+          <a:xfrm>
+            <a:off x="677334" y="209550"/>
+            <a:ext cx="8596668" cy="1320800"/>
+          </a:xfrm>
+        </p:spPr>
+        <p:txBody>
+          <a:bodyPr/>
+          <a:lstStyle/>
+          <a:p>
+            <a:r>
+              <a:rPr lang="it-IT">
+                <a:latin typeface="Times New Roman" panose="02020603050405020304" pitchFamily="18" charset="0"/>
+                <a:cs typeface="Times New Roman" panose="02020603050405020304" pitchFamily="18" charset="0"/>
+              </a:rPr>
+              <a:t>Sequence Diagram – SellPage (RIA) 1/2</a:t>
+            </a:r>
+            <a:endParaRPr lang="it-IT" dirty="0">
+              <a:latin typeface="Times New Roman" panose="02020603050405020304" pitchFamily="18" charset="0"/>
+              <a:cs typeface="Times New Roman" panose="02020603050405020304" pitchFamily="18" charset="0"/>
+            </a:endParaRPr>
+          </a:p>
+        </p:txBody>
+      </p:sp>
+      <p:sp>
+        <p:nvSpPr>
+          <p:cNvPr id="4" name="Segnaposto piè di pagina 3">
+            <a:extLst>
+              <a:ext uri="{FF2B5EF4-FFF2-40B4-BE49-F238E27FC236}">
+                <a16:creationId xmlns:a16="http://schemas.microsoft.com/office/drawing/2014/main" id="{0374F490-C1E2-0EF6-119C-49198F93C065}"/>
+              </a:ext>
+            </a:extLst>
+          </p:cNvPr>
+          <p:cNvSpPr>
+            <a:spLocks noGrp="1"/>
+          </p:cNvSpPr>
+          <p:nvPr>
+            <p:ph type="ftr" sz="quarter" idx="11"/>
+          </p:nvPr>
+        </p:nvSpPr>
+        <p:spPr/>
+        <p:txBody>
+          <a:bodyPr/>
+          <a:lstStyle/>
+          <a:p>
+            <a:r>
+              <a:rPr lang="en-US"/>
+              <a:t>Traccia 1 - Spangaro, Ferlin</a:t>
+            </a:r>
+            <a:endParaRPr lang="en-US" dirty="0"/>
+          </a:p>
+        </p:txBody>
+      </p:sp>
+      <p:sp>
+        <p:nvSpPr>
+          <p:cNvPr id="5" name="Segnaposto numero diapositiva 4">
+            <a:extLst>
+              <a:ext uri="{FF2B5EF4-FFF2-40B4-BE49-F238E27FC236}">
+                <a16:creationId xmlns:a16="http://schemas.microsoft.com/office/drawing/2014/main" id="{3BFF140B-ED7B-F435-0A5C-3EEB27F75A1B}"/>
+              </a:ext>
+            </a:extLst>
+          </p:cNvPr>
+          <p:cNvSpPr>
+            <a:spLocks noGrp="1"/>
+          </p:cNvSpPr>
+          <p:nvPr>
+            <p:ph type="sldNum" sz="quarter" idx="12"/>
+          </p:nvPr>
+        </p:nvSpPr>
+        <p:spPr/>
+        <p:txBody>
+          <a:bodyPr/>
+          <a:lstStyle/>
+          <a:p>
+            <a:fld id="{BD8A8A1B-4E1E-43EF-8A39-7D4A3879B941}" type="slidenum">
+              <a:rPr lang="en-US" smtClean="0"/>
+              <a:pPr/>
+              <a:t>36</a:t>
+            </a:fld>
+            <a:endParaRPr lang="en-US" dirty="0"/>
+          </a:p>
+        </p:txBody>
+      </p:sp>
+      <p:pic>
+        <p:nvPicPr>
+          <p:cNvPr id="10" name="Segnaposto contenuto 9">
+            <a:extLst>
+              <a:ext uri="{FF2B5EF4-FFF2-40B4-BE49-F238E27FC236}">
+                <a16:creationId xmlns:a16="http://schemas.microsoft.com/office/drawing/2014/main" id="{9301C657-B84A-1977-B368-257C6FA37115}"/>
+              </a:ext>
+            </a:extLst>
+          </p:cNvPr>
+          <p:cNvPicPr>
+            <a:picLocks noGrp="1" noChangeAspect="1"/>
+          </p:cNvPicPr>
+          <p:nvPr>
+            <p:ph idx="1"/>
+          </p:nvPr>
+        </p:nvPicPr>
+        <p:blipFill rotWithShape="1">
+          <a:blip r:embed="rId2">
+            <a:extLst>
+              <a:ext uri="{28A0092B-C50C-407E-A947-70E740481C1C}">
+                <a14:useLocalDpi xmlns:a14="http://schemas.microsoft.com/office/drawing/2010/main" val="0"/>
+              </a:ext>
+            </a:extLst>
+          </a:blip>
+          <a:srcRect b="29545"/>
+          <a:stretch/>
+        </p:blipFill>
+        <p:spPr>
+          <a:xfrm>
+            <a:off x="488609" y="869950"/>
+            <a:ext cx="10456481" cy="5669241"/>
+          </a:xfrm>
+          <a:prstGeom prst="rect">
+            <a:avLst/>
+          </a:prstGeom>
+        </p:spPr>
+      </p:pic>
+    </p:spTree>
+    <p:extLst>
+      <p:ext uri="{BB962C8B-B14F-4D97-AF65-F5344CB8AC3E}">
+        <p14:creationId xmlns:p14="http://schemas.microsoft.com/office/powerpoint/2010/main" val="1563060914"/>
+      </p:ext>
+    </p:extLst>
+  </p:cSld>
+  <p:clrMapOvr>
+    <a:masterClrMapping/>
+  </p:clrMapOvr>
+</p:sld>
+</file>
+
+<file path=ppt/slides/slide37.xml><?xml version="1.0" encoding="utf-8"?>
+<p:sld xmlns:a="http://schemas.openxmlformats.org/drawingml/2006/main" xmlns:r="http://schemas.openxmlformats.org/officeDocument/2006/relationships" xmlns:p="http://schemas.openxmlformats.org/presentationml/2006/main">
+  <p:cSld>
+    <p:spTree>
+      <p:nvGrpSpPr>
+        <p:cNvPr id="1" name=""/>
+        <p:cNvGrpSpPr/>
+        <p:nvPr/>
+      </p:nvGrpSpPr>
+      <p:grpSpPr>
+        <a:xfrm>
+          <a:off x="0" y="0"/>
+          <a:ext cx="0" cy="0"/>
+          <a:chOff x="0" y="0"/>
+          <a:chExt cx="0" cy="0"/>
+        </a:xfrm>
+      </p:grpSpPr>
+      <p:sp>
+        <p:nvSpPr>
+          <p:cNvPr id="2" name="Titolo 1">
+            <a:extLst>
+              <a:ext uri="{FF2B5EF4-FFF2-40B4-BE49-F238E27FC236}">
+                <a16:creationId xmlns:a16="http://schemas.microsoft.com/office/drawing/2014/main" id="{5521AAD3-9A4F-F422-F6DD-92175262F270}"/>
+              </a:ext>
+            </a:extLst>
+          </p:cNvPr>
+          <p:cNvSpPr>
+            <a:spLocks noGrp="1"/>
+          </p:cNvSpPr>
+          <p:nvPr>
+            <p:ph type="title"/>
+          </p:nvPr>
+        </p:nvSpPr>
+        <p:spPr>
+          <a:xfrm>
+            <a:off x="677334" y="209550"/>
+            <a:ext cx="8596668" cy="1320800"/>
+          </a:xfrm>
+        </p:spPr>
+        <p:txBody>
+          <a:bodyPr/>
+          <a:lstStyle/>
+          <a:p>
+            <a:r>
+              <a:rPr lang="it-IT">
+                <a:latin typeface="Times New Roman" panose="02020603050405020304" pitchFamily="18" charset="0"/>
+                <a:cs typeface="Times New Roman" panose="02020603050405020304" pitchFamily="18" charset="0"/>
+              </a:rPr>
+              <a:t>Sequence Diagram – SellPage (RIA) 1/2</a:t>
+            </a:r>
+            <a:endParaRPr lang="it-IT" dirty="0">
+              <a:latin typeface="Times New Roman" panose="02020603050405020304" pitchFamily="18" charset="0"/>
+              <a:cs typeface="Times New Roman" panose="02020603050405020304" pitchFamily="18" charset="0"/>
+            </a:endParaRPr>
+          </a:p>
+        </p:txBody>
+      </p:sp>
+      <p:sp>
+        <p:nvSpPr>
+          <p:cNvPr id="4" name="Segnaposto piè di pagina 3">
+            <a:extLst>
+              <a:ext uri="{FF2B5EF4-FFF2-40B4-BE49-F238E27FC236}">
+                <a16:creationId xmlns:a16="http://schemas.microsoft.com/office/drawing/2014/main" id="{0374F490-C1E2-0EF6-119C-49198F93C065}"/>
+              </a:ext>
+            </a:extLst>
+          </p:cNvPr>
+          <p:cNvSpPr>
+            <a:spLocks noGrp="1"/>
+          </p:cNvSpPr>
+          <p:nvPr>
+            <p:ph type="ftr" sz="quarter" idx="11"/>
+          </p:nvPr>
+        </p:nvSpPr>
+        <p:spPr/>
+        <p:txBody>
+          <a:bodyPr/>
+          <a:lstStyle/>
+          <a:p>
+            <a:r>
+              <a:rPr lang="en-US"/>
+              <a:t>Traccia 1 - Spangaro, Ferlin</a:t>
+            </a:r>
+            <a:endParaRPr lang="en-US" dirty="0"/>
+          </a:p>
+        </p:txBody>
+      </p:sp>
+      <p:sp>
+        <p:nvSpPr>
+          <p:cNvPr id="5" name="Segnaposto numero diapositiva 4">
+            <a:extLst>
+              <a:ext uri="{FF2B5EF4-FFF2-40B4-BE49-F238E27FC236}">
+                <a16:creationId xmlns:a16="http://schemas.microsoft.com/office/drawing/2014/main" id="{3BFF140B-ED7B-F435-0A5C-3EEB27F75A1B}"/>
+              </a:ext>
+            </a:extLst>
+          </p:cNvPr>
+          <p:cNvSpPr>
+            <a:spLocks noGrp="1"/>
+          </p:cNvSpPr>
+          <p:nvPr>
+            <p:ph type="sldNum" sz="quarter" idx="12"/>
+          </p:nvPr>
+        </p:nvSpPr>
+        <p:spPr/>
+        <p:txBody>
+          <a:bodyPr/>
+          <a:lstStyle/>
+          <a:p>
+            <a:fld id="{BD8A8A1B-4E1E-43EF-8A39-7D4A3879B941}" type="slidenum">
+              <a:rPr lang="en-US" smtClean="0"/>
+              <a:pPr/>
+              <a:t>37</a:t>
+            </a:fld>
+            <a:endParaRPr lang="en-US" dirty="0"/>
+          </a:p>
+        </p:txBody>
+      </p:sp>
+      <p:pic>
+        <p:nvPicPr>
+          <p:cNvPr id="10" name="Segnaposto contenuto 9">
+            <a:extLst>
+              <a:ext uri="{FF2B5EF4-FFF2-40B4-BE49-F238E27FC236}">
+                <a16:creationId xmlns:a16="http://schemas.microsoft.com/office/drawing/2014/main" id="{9301C657-B84A-1977-B368-257C6FA37115}"/>
+              </a:ext>
+            </a:extLst>
+          </p:cNvPr>
+          <p:cNvPicPr>
+            <a:picLocks noGrp="1" noChangeAspect="1"/>
+          </p:cNvPicPr>
+          <p:nvPr>
+            <p:ph idx="1"/>
+          </p:nvPr>
+        </p:nvPicPr>
+        <p:blipFill rotWithShape="1">
+          <a:blip r:embed="rId2">
+            <a:extLst>
+              <a:ext uri="{28A0092B-C50C-407E-A947-70E740481C1C}">
+                <a14:useLocalDpi xmlns:a14="http://schemas.microsoft.com/office/drawing/2010/main" val="0"/>
+              </a:ext>
+            </a:extLst>
+          </a:blip>
+          <a:srcRect t="68851" r="39422" b="-388"/>
+          <a:stretch/>
+        </p:blipFill>
+        <p:spPr>
+          <a:xfrm>
+            <a:off x="802934" y="1530350"/>
+            <a:ext cx="10105211" cy="4048414"/>
+          </a:xfrm>
+          <a:prstGeom prst="rect">
+            <a:avLst/>
+          </a:prstGeom>
+        </p:spPr>
+      </p:pic>
+    </p:spTree>
+    <p:extLst>
+      <p:ext uri="{BB962C8B-B14F-4D97-AF65-F5344CB8AC3E}">
+        <p14:creationId xmlns:p14="http://schemas.microsoft.com/office/powerpoint/2010/main" val="3559603822"/>
       </p:ext>
     </p:extLst>
   </p:cSld>
